--- a/Zwischenvortrag_converted.pptx
+++ b/Zwischenvortrag_converted.pptx
@@ -245,7 +245,7 @@
           <a:p>
             <a:fld id="{6007911F-CEAF-4F0B-98BD-EFB38C6572AA}" type="datetimeFigureOut">
               <a:rPr lang="de-DE" smtClean="0"/>
-              <a:t>12.10.2022</a:t>
+              <a:t>13.10.2022</a:t>
             </a:fld>
             <a:endParaRPr lang="de-DE"/>
           </a:p>
@@ -1676,7 +1676,7 @@
                 <a:solidFill>
                   <a:srgbClr val="000000"/>
                 </a:solidFill>
-                <a:latin typeface="+mn-lt"/>
+                <a:latin typeface="Bosch Office Sans" pitchFamily="2" charset="0"/>
               </a:rPr>
               <a:t> </a:t>
             </a:r>
@@ -2127,7 +2127,7 @@
                 <a:solidFill>
                   <a:srgbClr val="000000"/>
                 </a:solidFill>
-                <a:latin typeface="+mn-lt"/>
+                <a:latin typeface="Bosch Office Sans" pitchFamily="2" charset="0"/>
               </a:rPr>
               <a:t> </a:t>
             </a:r>
@@ -2642,7 +2642,7 @@
                 <a:solidFill>
                   <a:srgbClr val="000000"/>
                 </a:solidFill>
-                <a:latin typeface="+mn-lt"/>
+                <a:latin typeface="Bosch Office Sans" pitchFamily="2" charset="0"/>
               </a:rPr>
               <a:t> </a:t>
             </a:r>
@@ -3047,7 +3047,7 @@
                 <a:solidFill>
                   <a:srgbClr val="000000"/>
                 </a:solidFill>
-                <a:latin typeface="+mn-lt"/>
+                <a:latin typeface="Bosch Office Sans" pitchFamily="2" charset="0"/>
               </a:rPr>
               <a:t> </a:t>
             </a:r>
@@ -3552,7 +3552,7 @@
                 <a:solidFill>
                   <a:srgbClr val="000000"/>
                 </a:solidFill>
-                <a:latin typeface="+mn-lt"/>
+                <a:latin typeface="Bosch Office Sans" pitchFamily="2" charset="0"/>
               </a:rPr>
               <a:t> </a:t>
             </a:r>
@@ -4187,7 +4187,7 @@
                 <a:solidFill>
                   <a:srgbClr val="000000"/>
                 </a:solidFill>
-                <a:latin typeface="+mn-lt"/>
+                <a:latin typeface="Bosch Office Sans" pitchFamily="2" charset="0"/>
               </a:rPr>
               <a:t> </a:t>
             </a:r>
@@ -4964,7 +4964,7 @@
                 <a:solidFill>
                   <a:srgbClr val="000000"/>
                 </a:solidFill>
-                <a:latin typeface="+mn-lt"/>
+                <a:latin typeface="Bosch Office Sans" pitchFamily="2" charset="0"/>
               </a:rPr>
               <a:t> </a:t>
             </a:r>
@@ -5216,7 +5216,7 @@
                 <a:solidFill>
                   <a:srgbClr val="000000"/>
                 </a:solidFill>
-                <a:latin typeface="+mn-lt"/>
+                <a:latin typeface="Bosch Office Sans" pitchFamily="2" charset="0"/>
               </a:rPr>
               <a:t> </a:t>
             </a:r>
@@ -5397,7 +5397,7 @@
                 <a:solidFill>
                   <a:srgbClr val="000000"/>
                 </a:solidFill>
-                <a:latin typeface="+mn-lt"/>
+                <a:latin typeface="Bosch Office Sans" pitchFamily="2" charset="0"/>
               </a:rPr>
               <a:t> </a:t>
             </a:r>
@@ -7421,7 +7421,7 @@
                 <a:solidFill>
                   <a:srgbClr val="000000"/>
                 </a:solidFill>
-                <a:latin typeface="+mn-lt"/>
+                <a:latin typeface="Bosch Office Sans" pitchFamily="2" charset="0"/>
               </a:rPr>
               <a:t> </a:t>
             </a:r>
@@ -7826,43 +7826,6 @@
           </a:bodyPr>
           <a:lstStyle/>
           <a:p>
-            <a:pPr marL="0" marR="0" lvl="0" indent="0" algn="l" defTabSz="914400" rtl="0" eaLnBrk="1" fontAlgn="auto" latinLnBrk="0" hangingPunct="1">
-              <a:lnSpc>
-                <a:spcPct val="107000"/>
-              </a:lnSpc>
-              <a:spcBef>
-                <a:spcPts val="0"/>
-              </a:spcBef>
-              <a:spcAft>
-                <a:spcPts val="100"/>
-              </a:spcAft>
-              <a:buClrTx/>
-              <a:buSzTx/>
-              <a:buFontTx/>
-              <a:buNone/>
-              <a:tabLst/>
-              <a:defRPr/>
-            </a:pPr>
-            <a:r>
-              <a:rPr lang="en-US" sz="600" b="1" kern="0" baseline="0" noProof="1">
-                <a:solidFill>
-                  <a:srgbClr val="D70012"/>
-                </a:solidFill>
-                <a:latin typeface="+mn-lt"/>
-              </a:rPr>
-              <a:t>Intern</a:t>
-            </a:r>
-            <a:r>
-              <a:rPr lang="en-US" sz="600" kern="0" baseline="0" noProof="1">
-                <a:solidFill>
-                  <a:schemeClr val="tx1"/>
-                </a:solidFill>
-                <a:latin typeface="+mn-lt"/>
-              </a:rPr>
-              <a:t> | IOB/PAC2 | Darwish | 10.10.2022</a:t>
-            </a:r>
-          </a:p>
-          <a:p>
             <a:pPr marR="0" defTabSz="914400" eaLnBrk="1" fontAlgn="auto" latinLnBrk="0" hangingPunct="1">
               <a:lnSpc>
                 <a:spcPct val="107000"/>
@@ -7879,18 +7842,36 @@
               <a:buNone/>
               <a:tabLst/>
             </a:pPr>
-            <a:endParaRPr kumimoji="0" lang="en-US" sz="600" b="0" i="0" u="none" strike="noStrike" kern="0" cap="none" spc="0" normalizeH="0" baseline="0" noProof="1">
-              <a:ln>
-                <a:noFill/>
-              </a:ln>
-              <a:solidFill>
-                <a:srgbClr val="000000"/>
-              </a:solidFill>
-              <a:effectLst/>
-              <a:uLnTx/>
-              <a:uFillTx/>
-              <a:latin typeface="+mn-lt"/>
-            </a:endParaRPr>
+            <a:r>
+              <a:rPr kumimoji="0" lang="en-US" sz="600" b="1" i="0" u="none" strike="noStrike" kern="0" cap="none" spc="0" normalizeH="0" baseline="0" noProof="1">
+                <a:ln>
+                  <a:noFill/>
+                </a:ln>
+                <a:solidFill>
+                  <a:srgbClr val="D70012"/>
+                </a:solidFill>
+                <a:effectLst/>
+                <a:uLnTx/>
+                <a:uFillTx/>
+                <a:latin typeface="Bosch Office Sans" pitchFamily="2" charset="0"/>
+              </a:rPr>
+              <a:t>Intern</a:t>
+            </a:r>
+            <a:r>
+              <a:rPr kumimoji="0" lang="en-US" sz="600" b="0" i="0" u="none" strike="noStrike" kern="0" cap="none" spc="0" normalizeH="0" baseline="0" noProof="1">
+                <a:ln>
+                  <a:noFill/>
+                </a:ln>
+                <a:solidFill>
+                  <a:srgbClr val="000000"/>
+                </a:solidFill>
+                <a:effectLst/>
+                <a:uLnTx/>
+                <a:uFillTx/>
+                <a:latin typeface="Bosch Office Sans" pitchFamily="2" charset="0"/>
+              </a:rPr>
+              <a:t> | IOB/PAC2 | Darwish | 14.10.2022</a:t>
+            </a:r>
           </a:p>
         </p:txBody>
       </p:sp>
@@ -7931,11 +7912,11 @@
               </a:spcAft>
             </a:pPr>
             <a:r>
-              <a:rPr lang="en-US" sz="600" kern="0" baseline="0" noProof="1">
+              <a:rPr lang="en-US" sz="600" b="0" i="0" u="none" kern="0" baseline="0" noProof="1">
                 <a:solidFill>
                   <a:srgbClr val="B2B3B5"/>
                 </a:solidFill>
-                <a:latin typeface="+mn-lt"/>
+                <a:latin typeface="Bosch Office Sans" pitchFamily="2" charset="0"/>
               </a:rPr>
               <a:t>© Bosch.IO GmbH 2022. All rights reserved, also regarding any disposal, exploitation, reproduction, editing, distribution as well as in the event of applications for industrial property rights.</a:t>
             </a:r>
@@ -8653,8 +8634,8 @@
           </a:p>
         </p:txBody>
       </p:sp>
-      <mc:AlternateContent xmlns:mc="http://schemas.openxmlformats.org/markup-compatibility/2006">
-        <mc:Choice xmlns:a14="http://schemas.microsoft.com/office/drawing/2010/main" Requires="a14">
+      <mc:AlternateContent xmlns:mc="http://schemas.openxmlformats.org/markup-compatibility/2006" xmlns:a14="http://schemas.microsoft.com/office/drawing/2010/main">
+        <mc:Choice Requires="a14">
           <p:sp>
             <p:nvSpPr>
               <p:cNvPr id="5" name="Inhaltsplatzhalter 4">
@@ -9025,7 +9006,7 @@
             </p:txBody>
           </p:sp>
         </mc:Choice>
-        <mc:Fallback>
+        <mc:Fallback xmlns="">
           <p:sp>
             <p:nvSpPr>
               <p:cNvPr id="5" name="Inhaltsplatzhalter 4">
@@ -9288,43 +9269,41 @@
           </a:p>
         </p:txBody>
       </p:sp>
-      <p:sp>
-        <p:nvSpPr>
-          <p:cNvPr id="5" name="Inhaltsplatzhalter 4">
+      <p:pic>
+        <p:nvPicPr>
+          <p:cNvPr id="7" name="Inhaltsplatzhalter 6">
             <a:extLst>
               <a:ext uri="{FF2B5EF4-FFF2-40B4-BE49-F238E27FC236}">
-                <a16:creationId xmlns:a16="http://schemas.microsoft.com/office/drawing/2014/main" id="{34BB2F14-FF7A-4B8F-8A2A-A5FE5E9898C8}"/>
+                <a16:creationId xmlns:a16="http://schemas.microsoft.com/office/drawing/2014/main" id="{0949957B-B554-4418-A03C-B1D218FC0A88}"/>
               </a:ext>
             </a:extLst>
           </p:cNvPr>
-          <p:cNvSpPr>
-            <a:spLocks noGrp="1"/>
-          </p:cNvSpPr>
+          <p:cNvPicPr>
+            <a:picLocks noGrp="1" noChangeAspect="1"/>
+          </p:cNvPicPr>
           <p:nvPr>
             <p:ph sz="quarter" idx="1"/>
           </p:nvPr>
-        </p:nvSpPr>
+        </p:nvPicPr>
+        <p:blipFill>
+          <a:blip r:embed="rId3">
+            <a:extLst>
+              <a:ext uri="{28A0092B-C50C-407E-A947-70E740481C1C}">
+                <a14:useLocalDpi xmlns:a14="http://schemas.microsoft.com/office/drawing/2010/main" val="0"/>
+              </a:ext>
+            </a:extLst>
+          </a:blip>
+          <a:stretch>
+            <a:fillRect/>
+          </a:stretch>
+        </p:blipFill>
         <p:spPr>
           <a:xfrm>
-            <a:off x="205232" y="1296000"/>
-            <a:ext cx="10450799" cy="4168801"/>
+            <a:off x="2409891" y="1295400"/>
+            <a:ext cx="6040305" cy="4168775"/>
           </a:xfrm>
         </p:spPr>
-        <p:txBody>
-          <a:bodyPr lIns="0" tIns="0" rIns="0" bIns="0"/>
-          <a:lstStyle/>
-          <a:p>
-            <a:r>
-              <a:rPr lang="de-DE" dirty="0">
-                <a:solidFill>
-                  <a:srgbClr val="000000"/>
-                </a:solidFill>
-              </a:rPr>
-              <a:t>Tabelle oder Skizze</a:t>
-            </a:r>
-          </a:p>
-        </p:txBody>
-      </p:sp>
+      </p:pic>
       <p:sp>
         <p:nvSpPr>
           <p:cNvPr id="4" name="Foliennummernplatzhalter 3">
@@ -9355,6 +9334,646 @@
           </a:p>
         </p:txBody>
       </p:sp>
+      <p:sp>
+        <p:nvSpPr>
+          <p:cNvPr id="10" name="Rechteck 9">
+            <a:extLst>
+              <a:ext uri="{FF2B5EF4-FFF2-40B4-BE49-F238E27FC236}">
+                <a16:creationId xmlns:a16="http://schemas.microsoft.com/office/drawing/2014/main" id="{04E62C2A-A713-43AE-92E2-3A5D258059E7}"/>
+              </a:ext>
+            </a:extLst>
+          </p:cNvPr>
+          <p:cNvSpPr/>
+          <p:nvPr/>
+        </p:nvSpPr>
+        <p:spPr>
+          <a:xfrm>
+            <a:off x="7433310" y="1680210"/>
+            <a:ext cx="1002030" cy="259080"/>
+          </a:xfrm>
+          <a:prstGeom prst="rect">
+            <a:avLst/>
+          </a:prstGeom>
+          <a:solidFill>
+            <a:srgbClr val="FF0000">
+              <a:alpha val="50000"/>
+            </a:srgbClr>
+          </a:solidFill>
+          <a:ln>
+            <a:noFill/>
+          </a:ln>
+        </p:spPr>
+        <p:style>
+          <a:lnRef idx="0">
+            <a:scrgbClr r="0" g="0" b="0"/>
+          </a:lnRef>
+          <a:fillRef idx="0">
+            <a:scrgbClr r="0" g="0" b="0"/>
+          </a:fillRef>
+          <a:effectRef idx="0">
+            <a:scrgbClr r="0" g="0" b="0"/>
+          </a:effectRef>
+          <a:fontRef idx="minor">
+            <a:schemeClr val="lt1"/>
+          </a:fontRef>
+        </p:style>
+        <p:txBody>
+          <a:bodyPr rtlCol="0" anchor="ctr"/>
+          <a:lstStyle/>
+          <a:p>
+            <a:pPr marL="0" marR="0" indent="0" algn="ctr" defTabSz="914400" eaLnBrk="1" fontAlgn="auto" latinLnBrk="0" hangingPunct="1">
+              <a:lnSpc>
+                <a:spcPct val="100000"/>
+              </a:lnSpc>
+              <a:spcBef>
+                <a:spcPts val="0"/>
+              </a:spcBef>
+              <a:spcAft>
+                <a:spcPts val="0"/>
+              </a:spcAft>
+              <a:buClrTx/>
+              <a:buSzTx/>
+              <a:buFontTx/>
+              <a:buNone/>
+              <a:tabLst/>
+            </a:pPr>
+            <a:endParaRPr kumimoji="0" lang="de-DE" sz="1800" b="0" i="0" u="none" strike="noStrike" kern="0" cap="none" spc="0" normalizeH="0" baseline="0" noProof="0" dirty="0">
+              <a:ln>
+                <a:noFill/>
+              </a:ln>
+              <a:solidFill>
+                <a:srgbClr val="000000"/>
+              </a:solidFill>
+              <a:effectLst/>
+              <a:uLnTx/>
+              <a:uFillTx/>
+              <a:latin typeface="Bosch Office Sans"/>
+              <a:ea typeface="+mn-ea"/>
+              <a:cs typeface="+mn-cs"/>
+            </a:endParaRPr>
+          </a:p>
+        </p:txBody>
+      </p:sp>
+      <p:sp>
+        <p:nvSpPr>
+          <p:cNvPr id="11" name="Rechteck 10">
+            <a:extLst>
+              <a:ext uri="{FF2B5EF4-FFF2-40B4-BE49-F238E27FC236}">
+                <a16:creationId xmlns:a16="http://schemas.microsoft.com/office/drawing/2014/main" id="{31E78D37-F57B-44BC-9A9E-96294392F5E1}"/>
+              </a:ext>
+            </a:extLst>
+          </p:cNvPr>
+          <p:cNvSpPr/>
+          <p:nvPr/>
+        </p:nvSpPr>
+        <p:spPr>
+          <a:xfrm>
+            <a:off x="7433310" y="2028407"/>
+            <a:ext cx="1002030" cy="259080"/>
+          </a:xfrm>
+          <a:prstGeom prst="rect">
+            <a:avLst/>
+          </a:prstGeom>
+          <a:solidFill>
+            <a:srgbClr val="FF0000">
+              <a:alpha val="50000"/>
+            </a:srgbClr>
+          </a:solidFill>
+          <a:ln>
+            <a:noFill/>
+          </a:ln>
+        </p:spPr>
+        <p:style>
+          <a:lnRef idx="0">
+            <a:scrgbClr r="0" g="0" b="0"/>
+          </a:lnRef>
+          <a:fillRef idx="0">
+            <a:scrgbClr r="0" g="0" b="0"/>
+          </a:fillRef>
+          <a:effectRef idx="0">
+            <a:scrgbClr r="0" g="0" b="0"/>
+          </a:effectRef>
+          <a:fontRef idx="minor">
+            <a:schemeClr val="lt1"/>
+          </a:fontRef>
+        </p:style>
+        <p:txBody>
+          <a:bodyPr rtlCol="0" anchor="ctr"/>
+          <a:lstStyle/>
+          <a:p>
+            <a:pPr marL="0" marR="0" indent="0" algn="ctr" defTabSz="914400" eaLnBrk="1" fontAlgn="auto" latinLnBrk="0" hangingPunct="1">
+              <a:lnSpc>
+                <a:spcPct val="100000"/>
+              </a:lnSpc>
+              <a:spcBef>
+                <a:spcPts val="0"/>
+              </a:spcBef>
+              <a:spcAft>
+                <a:spcPts val="0"/>
+              </a:spcAft>
+              <a:buClrTx/>
+              <a:buSzTx/>
+              <a:buFontTx/>
+              <a:buNone/>
+              <a:tabLst/>
+            </a:pPr>
+            <a:endParaRPr kumimoji="0" lang="de-DE" sz="1800" b="0" i="0" u="none" strike="noStrike" kern="0" cap="none" spc="0" normalizeH="0" baseline="0" noProof="0" dirty="0">
+              <a:ln>
+                <a:noFill/>
+              </a:ln>
+              <a:solidFill>
+                <a:srgbClr val="000000"/>
+              </a:solidFill>
+              <a:effectLst/>
+              <a:uLnTx/>
+              <a:uFillTx/>
+              <a:latin typeface="Bosch Office Sans"/>
+              <a:ea typeface="+mn-ea"/>
+              <a:cs typeface="+mn-cs"/>
+            </a:endParaRPr>
+          </a:p>
+        </p:txBody>
+      </p:sp>
+      <p:sp>
+        <p:nvSpPr>
+          <p:cNvPr id="12" name="Rechteck 11">
+            <a:extLst>
+              <a:ext uri="{FF2B5EF4-FFF2-40B4-BE49-F238E27FC236}">
+                <a16:creationId xmlns:a16="http://schemas.microsoft.com/office/drawing/2014/main" id="{84F24D0C-9E44-4EB7-AAF8-75B10AE87939}"/>
+              </a:ext>
+            </a:extLst>
+          </p:cNvPr>
+          <p:cNvSpPr/>
+          <p:nvPr/>
+        </p:nvSpPr>
+        <p:spPr>
+          <a:xfrm>
+            <a:off x="7433310" y="2703720"/>
+            <a:ext cx="1002030" cy="259080"/>
+          </a:xfrm>
+          <a:prstGeom prst="rect">
+            <a:avLst/>
+          </a:prstGeom>
+          <a:solidFill>
+            <a:srgbClr val="FF0000">
+              <a:alpha val="50000"/>
+            </a:srgbClr>
+          </a:solidFill>
+          <a:ln>
+            <a:noFill/>
+          </a:ln>
+        </p:spPr>
+        <p:style>
+          <a:lnRef idx="0">
+            <a:scrgbClr r="0" g="0" b="0"/>
+          </a:lnRef>
+          <a:fillRef idx="0">
+            <a:scrgbClr r="0" g="0" b="0"/>
+          </a:fillRef>
+          <a:effectRef idx="0">
+            <a:scrgbClr r="0" g="0" b="0"/>
+          </a:effectRef>
+          <a:fontRef idx="minor">
+            <a:schemeClr val="lt1"/>
+          </a:fontRef>
+        </p:style>
+        <p:txBody>
+          <a:bodyPr rtlCol="0" anchor="ctr"/>
+          <a:lstStyle/>
+          <a:p>
+            <a:pPr marL="0" marR="0" indent="0" algn="ctr" defTabSz="914400" eaLnBrk="1" fontAlgn="auto" latinLnBrk="0" hangingPunct="1">
+              <a:lnSpc>
+                <a:spcPct val="100000"/>
+              </a:lnSpc>
+              <a:spcBef>
+                <a:spcPts val="0"/>
+              </a:spcBef>
+              <a:spcAft>
+                <a:spcPts val="0"/>
+              </a:spcAft>
+              <a:buClrTx/>
+              <a:buSzTx/>
+              <a:buFontTx/>
+              <a:buNone/>
+              <a:tabLst/>
+            </a:pPr>
+            <a:endParaRPr kumimoji="0" lang="de-DE" sz="1800" b="0" i="0" u="none" strike="noStrike" kern="0" cap="none" spc="0" normalizeH="0" baseline="0" noProof="0" dirty="0">
+              <a:ln>
+                <a:noFill/>
+              </a:ln>
+              <a:solidFill>
+                <a:srgbClr val="000000"/>
+              </a:solidFill>
+              <a:effectLst/>
+              <a:uLnTx/>
+              <a:uFillTx/>
+              <a:latin typeface="Bosch Office Sans"/>
+              <a:ea typeface="+mn-ea"/>
+              <a:cs typeface="+mn-cs"/>
+            </a:endParaRPr>
+          </a:p>
+        </p:txBody>
+      </p:sp>
+      <p:sp>
+        <p:nvSpPr>
+          <p:cNvPr id="13" name="Rechteck 12">
+            <a:extLst>
+              <a:ext uri="{FF2B5EF4-FFF2-40B4-BE49-F238E27FC236}">
+                <a16:creationId xmlns:a16="http://schemas.microsoft.com/office/drawing/2014/main" id="{CC8A89BA-5264-4A94-94A2-E45CD63ADB34}"/>
+              </a:ext>
+            </a:extLst>
+          </p:cNvPr>
+          <p:cNvSpPr/>
+          <p:nvPr/>
+        </p:nvSpPr>
+        <p:spPr>
+          <a:xfrm>
+            <a:off x="7433310" y="3049007"/>
+            <a:ext cx="1002030" cy="259080"/>
+          </a:xfrm>
+          <a:prstGeom prst="rect">
+            <a:avLst/>
+          </a:prstGeom>
+          <a:solidFill>
+            <a:srgbClr val="FF0000">
+              <a:alpha val="50000"/>
+            </a:srgbClr>
+          </a:solidFill>
+          <a:ln>
+            <a:noFill/>
+          </a:ln>
+        </p:spPr>
+        <p:style>
+          <a:lnRef idx="0">
+            <a:scrgbClr r="0" g="0" b="0"/>
+          </a:lnRef>
+          <a:fillRef idx="0">
+            <a:scrgbClr r="0" g="0" b="0"/>
+          </a:fillRef>
+          <a:effectRef idx="0">
+            <a:scrgbClr r="0" g="0" b="0"/>
+          </a:effectRef>
+          <a:fontRef idx="minor">
+            <a:schemeClr val="lt1"/>
+          </a:fontRef>
+        </p:style>
+        <p:txBody>
+          <a:bodyPr rtlCol="0" anchor="ctr"/>
+          <a:lstStyle/>
+          <a:p>
+            <a:pPr marL="0" marR="0" indent="0" algn="ctr" defTabSz="914400" eaLnBrk="1" fontAlgn="auto" latinLnBrk="0" hangingPunct="1">
+              <a:lnSpc>
+                <a:spcPct val="100000"/>
+              </a:lnSpc>
+              <a:spcBef>
+                <a:spcPts val="0"/>
+              </a:spcBef>
+              <a:spcAft>
+                <a:spcPts val="0"/>
+              </a:spcAft>
+              <a:buClrTx/>
+              <a:buSzTx/>
+              <a:buFontTx/>
+              <a:buNone/>
+              <a:tabLst/>
+            </a:pPr>
+            <a:endParaRPr kumimoji="0" lang="de-DE" sz="1800" b="0" i="0" u="none" strike="noStrike" kern="0" cap="none" spc="0" normalizeH="0" baseline="0" noProof="0" dirty="0">
+              <a:ln>
+                <a:noFill/>
+              </a:ln>
+              <a:solidFill>
+                <a:srgbClr val="000000"/>
+              </a:solidFill>
+              <a:effectLst/>
+              <a:uLnTx/>
+              <a:uFillTx/>
+              <a:latin typeface="Bosch Office Sans"/>
+              <a:ea typeface="+mn-ea"/>
+              <a:cs typeface="+mn-cs"/>
+            </a:endParaRPr>
+          </a:p>
+        </p:txBody>
+      </p:sp>
+      <p:sp>
+        <p:nvSpPr>
+          <p:cNvPr id="14" name="Rechteck 13">
+            <a:extLst>
+              <a:ext uri="{FF2B5EF4-FFF2-40B4-BE49-F238E27FC236}">
+                <a16:creationId xmlns:a16="http://schemas.microsoft.com/office/drawing/2014/main" id="{121986AD-A472-451E-9720-FAC4AEAA481A}"/>
+              </a:ext>
+            </a:extLst>
+          </p:cNvPr>
+          <p:cNvSpPr/>
+          <p:nvPr/>
+        </p:nvSpPr>
+        <p:spPr>
+          <a:xfrm>
+            <a:off x="7433310" y="3716274"/>
+            <a:ext cx="1002030" cy="259080"/>
+          </a:xfrm>
+          <a:prstGeom prst="rect">
+            <a:avLst/>
+          </a:prstGeom>
+          <a:solidFill>
+            <a:srgbClr val="FF0000">
+              <a:alpha val="50000"/>
+            </a:srgbClr>
+          </a:solidFill>
+          <a:ln>
+            <a:noFill/>
+          </a:ln>
+        </p:spPr>
+        <p:style>
+          <a:lnRef idx="0">
+            <a:scrgbClr r="0" g="0" b="0"/>
+          </a:lnRef>
+          <a:fillRef idx="0">
+            <a:scrgbClr r="0" g="0" b="0"/>
+          </a:fillRef>
+          <a:effectRef idx="0">
+            <a:scrgbClr r="0" g="0" b="0"/>
+          </a:effectRef>
+          <a:fontRef idx="minor">
+            <a:schemeClr val="lt1"/>
+          </a:fontRef>
+        </p:style>
+        <p:txBody>
+          <a:bodyPr rtlCol="0" anchor="ctr"/>
+          <a:lstStyle/>
+          <a:p>
+            <a:pPr marL="0" marR="0" indent="0" algn="ctr" defTabSz="914400" eaLnBrk="1" fontAlgn="auto" latinLnBrk="0" hangingPunct="1">
+              <a:lnSpc>
+                <a:spcPct val="100000"/>
+              </a:lnSpc>
+              <a:spcBef>
+                <a:spcPts val="0"/>
+              </a:spcBef>
+              <a:spcAft>
+                <a:spcPts val="0"/>
+              </a:spcAft>
+              <a:buClrTx/>
+              <a:buSzTx/>
+              <a:buFontTx/>
+              <a:buNone/>
+              <a:tabLst/>
+            </a:pPr>
+            <a:endParaRPr kumimoji="0" lang="de-DE" sz="1800" b="0" i="0" u="none" strike="noStrike" kern="0" cap="none" spc="0" normalizeH="0" baseline="0" noProof="0" dirty="0">
+              <a:ln>
+                <a:noFill/>
+              </a:ln>
+              <a:solidFill>
+                <a:srgbClr val="000000"/>
+              </a:solidFill>
+              <a:effectLst/>
+              <a:uLnTx/>
+              <a:uFillTx/>
+              <a:latin typeface="Bosch Office Sans"/>
+              <a:ea typeface="+mn-ea"/>
+              <a:cs typeface="+mn-cs"/>
+            </a:endParaRPr>
+          </a:p>
+        </p:txBody>
+      </p:sp>
+      <p:sp>
+        <p:nvSpPr>
+          <p:cNvPr id="15" name="Rechteck 14">
+            <a:extLst>
+              <a:ext uri="{FF2B5EF4-FFF2-40B4-BE49-F238E27FC236}">
+                <a16:creationId xmlns:a16="http://schemas.microsoft.com/office/drawing/2014/main" id="{AD2F4C10-44DA-40C0-AE34-00C7CAA08D2C}"/>
+              </a:ext>
+            </a:extLst>
+          </p:cNvPr>
+          <p:cNvSpPr/>
+          <p:nvPr/>
+        </p:nvSpPr>
+        <p:spPr>
+          <a:xfrm>
+            <a:off x="7433310" y="4051554"/>
+            <a:ext cx="1002030" cy="259080"/>
+          </a:xfrm>
+          <a:prstGeom prst="rect">
+            <a:avLst/>
+          </a:prstGeom>
+          <a:solidFill>
+            <a:srgbClr val="FF0000">
+              <a:alpha val="50000"/>
+            </a:srgbClr>
+          </a:solidFill>
+          <a:ln>
+            <a:noFill/>
+          </a:ln>
+        </p:spPr>
+        <p:style>
+          <a:lnRef idx="0">
+            <a:scrgbClr r="0" g="0" b="0"/>
+          </a:lnRef>
+          <a:fillRef idx="0">
+            <a:scrgbClr r="0" g="0" b="0"/>
+          </a:fillRef>
+          <a:effectRef idx="0">
+            <a:scrgbClr r="0" g="0" b="0"/>
+          </a:effectRef>
+          <a:fontRef idx="minor">
+            <a:schemeClr val="lt1"/>
+          </a:fontRef>
+        </p:style>
+        <p:txBody>
+          <a:bodyPr rtlCol="0" anchor="ctr"/>
+          <a:lstStyle/>
+          <a:p>
+            <a:pPr marL="0" marR="0" indent="0" algn="ctr" defTabSz="914400" eaLnBrk="1" fontAlgn="auto" latinLnBrk="0" hangingPunct="1">
+              <a:lnSpc>
+                <a:spcPct val="100000"/>
+              </a:lnSpc>
+              <a:spcBef>
+                <a:spcPts val="0"/>
+              </a:spcBef>
+              <a:spcAft>
+                <a:spcPts val="0"/>
+              </a:spcAft>
+              <a:buClrTx/>
+              <a:buSzTx/>
+              <a:buFontTx/>
+              <a:buNone/>
+              <a:tabLst/>
+            </a:pPr>
+            <a:endParaRPr kumimoji="0" lang="de-DE" sz="1800" b="0" i="0" u="none" strike="noStrike" kern="0" cap="none" spc="0" normalizeH="0" baseline="0" noProof="0" dirty="0">
+              <a:ln>
+                <a:noFill/>
+              </a:ln>
+              <a:solidFill>
+                <a:srgbClr val="000000"/>
+              </a:solidFill>
+              <a:effectLst/>
+              <a:uLnTx/>
+              <a:uFillTx/>
+              <a:latin typeface="Bosch Office Sans"/>
+              <a:ea typeface="+mn-ea"/>
+              <a:cs typeface="+mn-cs"/>
+            </a:endParaRPr>
+          </a:p>
+        </p:txBody>
+      </p:sp>
+      <p:sp>
+        <p:nvSpPr>
+          <p:cNvPr id="16" name="Rechteck 15">
+            <a:extLst>
+              <a:ext uri="{FF2B5EF4-FFF2-40B4-BE49-F238E27FC236}">
+                <a16:creationId xmlns:a16="http://schemas.microsoft.com/office/drawing/2014/main" id="{BC495790-1A58-40C0-9385-445C88DD283D}"/>
+              </a:ext>
+            </a:extLst>
+          </p:cNvPr>
+          <p:cNvSpPr/>
+          <p:nvPr/>
+        </p:nvSpPr>
+        <p:spPr>
+          <a:xfrm>
+            <a:off x="7433310" y="4691634"/>
+            <a:ext cx="1002030" cy="259080"/>
+          </a:xfrm>
+          <a:prstGeom prst="rect">
+            <a:avLst/>
+          </a:prstGeom>
+          <a:solidFill>
+            <a:srgbClr val="FF0000">
+              <a:alpha val="50000"/>
+            </a:srgbClr>
+          </a:solidFill>
+          <a:ln>
+            <a:noFill/>
+          </a:ln>
+        </p:spPr>
+        <p:style>
+          <a:lnRef idx="0">
+            <a:scrgbClr r="0" g="0" b="0"/>
+          </a:lnRef>
+          <a:fillRef idx="0">
+            <a:scrgbClr r="0" g="0" b="0"/>
+          </a:fillRef>
+          <a:effectRef idx="0">
+            <a:scrgbClr r="0" g="0" b="0"/>
+          </a:effectRef>
+          <a:fontRef idx="minor">
+            <a:schemeClr val="lt1"/>
+          </a:fontRef>
+        </p:style>
+        <p:txBody>
+          <a:bodyPr rtlCol="0" anchor="ctr"/>
+          <a:lstStyle/>
+          <a:p>
+            <a:pPr marL="0" marR="0" indent="0" algn="ctr" defTabSz="914400" eaLnBrk="1" fontAlgn="auto" latinLnBrk="0" hangingPunct="1">
+              <a:lnSpc>
+                <a:spcPct val="100000"/>
+              </a:lnSpc>
+              <a:spcBef>
+                <a:spcPts val="0"/>
+              </a:spcBef>
+              <a:spcAft>
+                <a:spcPts val="0"/>
+              </a:spcAft>
+              <a:buClrTx/>
+              <a:buSzTx/>
+              <a:buFontTx/>
+              <a:buNone/>
+              <a:tabLst/>
+            </a:pPr>
+            <a:endParaRPr kumimoji="0" lang="de-DE" sz="1800" b="0" i="0" u="none" strike="noStrike" kern="0" cap="none" spc="0" normalizeH="0" baseline="0" noProof="0" dirty="0">
+              <a:ln>
+                <a:noFill/>
+              </a:ln>
+              <a:solidFill>
+                <a:srgbClr val="000000"/>
+              </a:solidFill>
+              <a:effectLst/>
+              <a:uLnTx/>
+              <a:uFillTx/>
+              <a:latin typeface="Bosch Office Sans"/>
+              <a:ea typeface="+mn-ea"/>
+              <a:cs typeface="+mn-cs"/>
+            </a:endParaRPr>
+          </a:p>
+        </p:txBody>
+      </p:sp>
+      <p:sp>
+        <p:nvSpPr>
+          <p:cNvPr id="17" name="Rechteck 16">
+            <a:extLst>
+              <a:ext uri="{FF2B5EF4-FFF2-40B4-BE49-F238E27FC236}">
+                <a16:creationId xmlns:a16="http://schemas.microsoft.com/office/drawing/2014/main" id="{4D979BB4-9059-464D-ACDF-681F41AD0C4D}"/>
+              </a:ext>
+            </a:extLst>
+          </p:cNvPr>
+          <p:cNvSpPr/>
+          <p:nvPr/>
+        </p:nvSpPr>
+        <p:spPr>
+          <a:xfrm>
+            <a:off x="7433310" y="5067300"/>
+            <a:ext cx="1002030" cy="259080"/>
+          </a:xfrm>
+          <a:prstGeom prst="rect">
+            <a:avLst/>
+          </a:prstGeom>
+          <a:solidFill>
+            <a:srgbClr val="FF0000">
+              <a:alpha val="50000"/>
+            </a:srgbClr>
+          </a:solidFill>
+          <a:ln>
+            <a:noFill/>
+          </a:ln>
+        </p:spPr>
+        <p:style>
+          <a:lnRef idx="0">
+            <a:scrgbClr r="0" g="0" b="0"/>
+          </a:lnRef>
+          <a:fillRef idx="0">
+            <a:scrgbClr r="0" g="0" b="0"/>
+          </a:fillRef>
+          <a:effectRef idx="0">
+            <a:scrgbClr r="0" g="0" b="0"/>
+          </a:effectRef>
+          <a:fontRef idx="minor">
+            <a:schemeClr val="lt1"/>
+          </a:fontRef>
+        </p:style>
+        <p:txBody>
+          <a:bodyPr rtlCol="0" anchor="ctr"/>
+          <a:lstStyle/>
+          <a:p>
+            <a:pPr marL="0" marR="0" indent="0" algn="ctr" defTabSz="914400" eaLnBrk="1" fontAlgn="auto" latinLnBrk="0" hangingPunct="1">
+              <a:lnSpc>
+                <a:spcPct val="100000"/>
+              </a:lnSpc>
+              <a:spcBef>
+                <a:spcPts val="0"/>
+              </a:spcBef>
+              <a:spcAft>
+                <a:spcPts val="0"/>
+              </a:spcAft>
+              <a:buClrTx/>
+              <a:buSzTx/>
+              <a:buFontTx/>
+              <a:buNone/>
+              <a:tabLst/>
+            </a:pPr>
+            <a:endParaRPr kumimoji="0" lang="de-DE" sz="1800" b="0" i="0" u="none" strike="noStrike" kern="0" cap="none" spc="0" normalizeH="0" baseline="0" noProof="0" dirty="0">
+              <a:ln>
+                <a:noFill/>
+              </a:ln>
+              <a:solidFill>
+                <a:srgbClr val="000000"/>
+              </a:solidFill>
+              <a:effectLst/>
+              <a:uLnTx/>
+              <a:uFillTx/>
+              <a:latin typeface="Bosch Office Sans"/>
+              <a:ea typeface="+mn-ea"/>
+              <a:cs typeface="+mn-cs"/>
+            </a:endParaRPr>
+          </a:p>
+        </p:txBody>
+      </p:sp>
     </p:spTree>
     <p:custDataLst>
       <p:tags r:id="rId1"/>
@@ -9368,6 +9987,630 @@
   <p:clrMapOvr>
     <a:masterClrMapping/>
   </p:clrMapOvr>
+  <p:timing>
+    <p:tnLst>
+      <p:par>
+        <p:cTn id="1" dur="indefinite" restart="never" nodeType="tmRoot">
+          <p:childTnLst>
+            <p:seq concurrent="1" nextAc="seek">
+              <p:cTn id="2" dur="indefinite" nodeType="mainSeq">
+                <p:childTnLst>
+                  <p:par>
+                    <p:cTn id="3" fill="hold">
+                      <p:stCondLst>
+                        <p:cond delay="indefinite"/>
+                      </p:stCondLst>
+                      <p:childTnLst>
+                        <p:par>
+                          <p:cTn id="4" fill="hold">
+                            <p:stCondLst>
+                              <p:cond delay="0"/>
+                            </p:stCondLst>
+                            <p:childTnLst>
+                              <p:par>
+                                <p:cTn id="5" presetID="1" presetClass="entr" presetSubtype="0" fill="hold" grpId="0" nodeType="clickEffect">
+                                  <p:stCondLst>
+                                    <p:cond delay="0"/>
+                                  </p:stCondLst>
+                                  <p:childTnLst>
+                                    <p:set>
+                                      <p:cBhvr>
+                                        <p:cTn id="6" dur="1" fill="hold">
+                                          <p:stCondLst>
+                                            <p:cond delay="0"/>
+                                          </p:stCondLst>
+                                        </p:cTn>
+                                        <p:tgtEl>
+                                          <p:spTgt spid="10"/>
+                                        </p:tgtEl>
+                                        <p:attrNameLst>
+                                          <p:attrName>style.visibility</p:attrName>
+                                        </p:attrNameLst>
+                                      </p:cBhvr>
+                                      <p:to>
+                                        <p:strVal val="visible"/>
+                                      </p:to>
+                                    </p:set>
+                                  </p:childTnLst>
+                                </p:cTn>
+                              </p:par>
+                            </p:childTnLst>
+                          </p:cTn>
+                        </p:par>
+                      </p:childTnLst>
+                    </p:cTn>
+                  </p:par>
+                  <p:par>
+                    <p:cTn id="7" fill="hold">
+                      <p:stCondLst>
+                        <p:cond delay="indefinite"/>
+                      </p:stCondLst>
+                      <p:childTnLst>
+                        <p:par>
+                          <p:cTn id="8" fill="hold">
+                            <p:stCondLst>
+                              <p:cond delay="0"/>
+                            </p:stCondLst>
+                            <p:childTnLst>
+                              <p:par>
+                                <p:cTn id="9" presetID="1" presetClass="exit" presetSubtype="0" fill="hold" grpId="1" nodeType="clickEffect">
+                                  <p:stCondLst>
+                                    <p:cond delay="0"/>
+                                  </p:stCondLst>
+                                  <p:childTnLst>
+                                    <p:set>
+                                      <p:cBhvr>
+                                        <p:cTn id="10" dur="1" fill="hold">
+                                          <p:stCondLst>
+                                            <p:cond delay="0"/>
+                                          </p:stCondLst>
+                                        </p:cTn>
+                                        <p:tgtEl>
+                                          <p:spTgt spid="10"/>
+                                        </p:tgtEl>
+                                        <p:attrNameLst>
+                                          <p:attrName>style.visibility</p:attrName>
+                                        </p:attrNameLst>
+                                      </p:cBhvr>
+                                      <p:to>
+                                        <p:strVal val="hidden"/>
+                                      </p:to>
+                                    </p:set>
+                                  </p:childTnLst>
+                                </p:cTn>
+                              </p:par>
+                            </p:childTnLst>
+                          </p:cTn>
+                        </p:par>
+                      </p:childTnLst>
+                    </p:cTn>
+                  </p:par>
+                  <p:par>
+                    <p:cTn id="11" fill="hold">
+                      <p:stCondLst>
+                        <p:cond delay="indefinite"/>
+                      </p:stCondLst>
+                      <p:childTnLst>
+                        <p:par>
+                          <p:cTn id="12" fill="hold">
+                            <p:stCondLst>
+                              <p:cond delay="0"/>
+                            </p:stCondLst>
+                            <p:childTnLst>
+                              <p:par>
+                                <p:cTn id="13" presetID="1" presetClass="entr" presetSubtype="0" fill="hold" grpId="0" nodeType="clickEffect">
+                                  <p:stCondLst>
+                                    <p:cond delay="0"/>
+                                  </p:stCondLst>
+                                  <p:childTnLst>
+                                    <p:set>
+                                      <p:cBhvr>
+                                        <p:cTn id="14" dur="1" fill="hold">
+                                          <p:stCondLst>
+                                            <p:cond delay="0"/>
+                                          </p:stCondLst>
+                                        </p:cTn>
+                                        <p:tgtEl>
+                                          <p:spTgt spid="13"/>
+                                        </p:tgtEl>
+                                        <p:attrNameLst>
+                                          <p:attrName>style.visibility</p:attrName>
+                                        </p:attrNameLst>
+                                      </p:cBhvr>
+                                      <p:to>
+                                        <p:strVal val="visible"/>
+                                      </p:to>
+                                    </p:set>
+                                  </p:childTnLst>
+                                </p:cTn>
+                              </p:par>
+                              <p:par>
+                                <p:cTn id="15" presetID="1" presetClass="entr" presetSubtype="0" fill="hold" grpId="0" nodeType="withEffect">
+                                  <p:stCondLst>
+                                    <p:cond delay="0"/>
+                                  </p:stCondLst>
+                                  <p:childTnLst>
+                                    <p:set>
+                                      <p:cBhvr>
+                                        <p:cTn id="16" dur="1" fill="hold">
+                                          <p:stCondLst>
+                                            <p:cond delay="0"/>
+                                          </p:stCondLst>
+                                        </p:cTn>
+                                        <p:tgtEl>
+                                          <p:spTgt spid="15"/>
+                                        </p:tgtEl>
+                                        <p:attrNameLst>
+                                          <p:attrName>style.visibility</p:attrName>
+                                        </p:attrNameLst>
+                                      </p:cBhvr>
+                                      <p:to>
+                                        <p:strVal val="visible"/>
+                                      </p:to>
+                                    </p:set>
+                                  </p:childTnLst>
+                                </p:cTn>
+                              </p:par>
+                              <p:par>
+                                <p:cTn id="17" presetID="1" presetClass="entr" presetSubtype="0" fill="hold" grpId="0" nodeType="withEffect">
+                                  <p:stCondLst>
+                                    <p:cond delay="0"/>
+                                  </p:stCondLst>
+                                  <p:childTnLst>
+                                    <p:set>
+                                      <p:cBhvr>
+                                        <p:cTn id="18" dur="1" fill="hold">
+                                          <p:stCondLst>
+                                            <p:cond delay="0"/>
+                                          </p:stCondLst>
+                                        </p:cTn>
+                                        <p:tgtEl>
+                                          <p:spTgt spid="16"/>
+                                        </p:tgtEl>
+                                        <p:attrNameLst>
+                                          <p:attrName>style.visibility</p:attrName>
+                                        </p:attrNameLst>
+                                      </p:cBhvr>
+                                      <p:to>
+                                        <p:strVal val="visible"/>
+                                      </p:to>
+                                    </p:set>
+                                  </p:childTnLst>
+                                </p:cTn>
+                              </p:par>
+                            </p:childTnLst>
+                          </p:cTn>
+                        </p:par>
+                      </p:childTnLst>
+                    </p:cTn>
+                  </p:par>
+                  <p:par>
+                    <p:cTn id="19" fill="hold">
+                      <p:stCondLst>
+                        <p:cond delay="indefinite"/>
+                      </p:stCondLst>
+                      <p:childTnLst>
+                        <p:par>
+                          <p:cTn id="20" fill="hold">
+                            <p:stCondLst>
+                              <p:cond delay="0"/>
+                            </p:stCondLst>
+                            <p:childTnLst>
+                              <p:par>
+                                <p:cTn id="21" presetID="1" presetClass="exit" presetSubtype="0" fill="hold" grpId="1" nodeType="clickEffect">
+                                  <p:stCondLst>
+                                    <p:cond delay="0"/>
+                                  </p:stCondLst>
+                                  <p:childTnLst>
+                                    <p:set>
+                                      <p:cBhvr>
+                                        <p:cTn id="22" dur="1" fill="hold">
+                                          <p:stCondLst>
+                                            <p:cond delay="0"/>
+                                          </p:stCondLst>
+                                        </p:cTn>
+                                        <p:tgtEl>
+                                          <p:spTgt spid="13"/>
+                                        </p:tgtEl>
+                                        <p:attrNameLst>
+                                          <p:attrName>style.visibility</p:attrName>
+                                        </p:attrNameLst>
+                                      </p:cBhvr>
+                                      <p:to>
+                                        <p:strVal val="hidden"/>
+                                      </p:to>
+                                    </p:set>
+                                  </p:childTnLst>
+                                </p:cTn>
+                              </p:par>
+                              <p:par>
+                                <p:cTn id="23" presetID="1" presetClass="exit" presetSubtype="0" fill="hold" grpId="1" nodeType="withEffect">
+                                  <p:stCondLst>
+                                    <p:cond delay="0"/>
+                                  </p:stCondLst>
+                                  <p:childTnLst>
+                                    <p:set>
+                                      <p:cBhvr>
+                                        <p:cTn id="24" dur="1" fill="hold">
+                                          <p:stCondLst>
+                                            <p:cond delay="0"/>
+                                          </p:stCondLst>
+                                        </p:cTn>
+                                        <p:tgtEl>
+                                          <p:spTgt spid="15"/>
+                                        </p:tgtEl>
+                                        <p:attrNameLst>
+                                          <p:attrName>style.visibility</p:attrName>
+                                        </p:attrNameLst>
+                                      </p:cBhvr>
+                                      <p:to>
+                                        <p:strVal val="hidden"/>
+                                      </p:to>
+                                    </p:set>
+                                  </p:childTnLst>
+                                </p:cTn>
+                              </p:par>
+                              <p:par>
+                                <p:cTn id="25" presetID="1" presetClass="exit" presetSubtype="0" fill="hold" grpId="1" nodeType="withEffect">
+                                  <p:stCondLst>
+                                    <p:cond delay="0"/>
+                                  </p:stCondLst>
+                                  <p:childTnLst>
+                                    <p:set>
+                                      <p:cBhvr>
+                                        <p:cTn id="26" dur="1" fill="hold">
+                                          <p:stCondLst>
+                                            <p:cond delay="0"/>
+                                          </p:stCondLst>
+                                        </p:cTn>
+                                        <p:tgtEl>
+                                          <p:spTgt spid="16"/>
+                                        </p:tgtEl>
+                                        <p:attrNameLst>
+                                          <p:attrName>style.visibility</p:attrName>
+                                        </p:attrNameLst>
+                                      </p:cBhvr>
+                                      <p:to>
+                                        <p:strVal val="hidden"/>
+                                      </p:to>
+                                    </p:set>
+                                  </p:childTnLst>
+                                </p:cTn>
+                              </p:par>
+                            </p:childTnLst>
+                          </p:cTn>
+                        </p:par>
+                      </p:childTnLst>
+                    </p:cTn>
+                  </p:par>
+                  <p:par>
+                    <p:cTn id="27" fill="hold">
+                      <p:stCondLst>
+                        <p:cond delay="indefinite"/>
+                      </p:stCondLst>
+                      <p:childTnLst>
+                        <p:par>
+                          <p:cTn id="28" fill="hold">
+                            <p:stCondLst>
+                              <p:cond delay="0"/>
+                            </p:stCondLst>
+                            <p:childTnLst>
+                              <p:par>
+                                <p:cTn id="29" presetID="1" presetClass="entr" presetSubtype="0" fill="hold" grpId="0" nodeType="clickEffect">
+                                  <p:stCondLst>
+                                    <p:cond delay="0"/>
+                                  </p:stCondLst>
+                                  <p:childTnLst>
+                                    <p:set>
+                                      <p:cBhvr>
+                                        <p:cTn id="30" dur="1" fill="hold">
+                                          <p:stCondLst>
+                                            <p:cond delay="0"/>
+                                          </p:stCondLst>
+                                        </p:cTn>
+                                        <p:tgtEl>
+                                          <p:spTgt spid="11"/>
+                                        </p:tgtEl>
+                                        <p:attrNameLst>
+                                          <p:attrName>style.visibility</p:attrName>
+                                        </p:attrNameLst>
+                                      </p:cBhvr>
+                                      <p:to>
+                                        <p:strVal val="visible"/>
+                                      </p:to>
+                                    </p:set>
+                                  </p:childTnLst>
+                                </p:cTn>
+                              </p:par>
+                              <p:par>
+                                <p:cTn id="31" presetID="1" presetClass="entr" presetSubtype="0" fill="hold" grpId="0" nodeType="withEffect">
+                                  <p:stCondLst>
+                                    <p:cond delay="0"/>
+                                  </p:stCondLst>
+                                  <p:childTnLst>
+                                    <p:set>
+                                      <p:cBhvr>
+                                        <p:cTn id="32" dur="1" fill="hold">
+                                          <p:stCondLst>
+                                            <p:cond delay="0"/>
+                                          </p:stCondLst>
+                                        </p:cTn>
+                                        <p:tgtEl>
+                                          <p:spTgt spid="12"/>
+                                        </p:tgtEl>
+                                        <p:attrNameLst>
+                                          <p:attrName>style.visibility</p:attrName>
+                                        </p:attrNameLst>
+                                      </p:cBhvr>
+                                      <p:to>
+                                        <p:strVal val="visible"/>
+                                      </p:to>
+                                    </p:set>
+                                  </p:childTnLst>
+                                </p:cTn>
+                              </p:par>
+                              <p:par>
+                                <p:cTn id="33" presetID="1" presetClass="entr" presetSubtype="0" fill="hold" grpId="0" nodeType="withEffect">
+                                  <p:stCondLst>
+                                    <p:cond delay="0"/>
+                                  </p:stCondLst>
+                                  <p:childTnLst>
+                                    <p:set>
+                                      <p:cBhvr>
+                                        <p:cTn id="34" dur="1" fill="hold">
+                                          <p:stCondLst>
+                                            <p:cond delay="0"/>
+                                          </p:stCondLst>
+                                        </p:cTn>
+                                        <p:tgtEl>
+                                          <p:spTgt spid="17"/>
+                                        </p:tgtEl>
+                                        <p:attrNameLst>
+                                          <p:attrName>style.visibility</p:attrName>
+                                        </p:attrNameLst>
+                                      </p:cBhvr>
+                                      <p:to>
+                                        <p:strVal val="visible"/>
+                                      </p:to>
+                                    </p:set>
+                                  </p:childTnLst>
+                                </p:cTn>
+                              </p:par>
+                            </p:childTnLst>
+                          </p:cTn>
+                        </p:par>
+                      </p:childTnLst>
+                    </p:cTn>
+                  </p:par>
+                  <p:par>
+                    <p:cTn id="35" fill="hold">
+                      <p:stCondLst>
+                        <p:cond delay="indefinite"/>
+                      </p:stCondLst>
+                      <p:childTnLst>
+                        <p:par>
+                          <p:cTn id="36" fill="hold">
+                            <p:stCondLst>
+                              <p:cond delay="0"/>
+                            </p:stCondLst>
+                            <p:childTnLst>
+                              <p:par>
+                                <p:cTn id="37" presetID="1" presetClass="exit" presetSubtype="0" fill="hold" grpId="1" nodeType="clickEffect">
+                                  <p:stCondLst>
+                                    <p:cond delay="0"/>
+                                  </p:stCondLst>
+                                  <p:childTnLst>
+                                    <p:set>
+                                      <p:cBhvr>
+                                        <p:cTn id="38" dur="1" fill="hold">
+                                          <p:stCondLst>
+                                            <p:cond delay="0"/>
+                                          </p:stCondLst>
+                                        </p:cTn>
+                                        <p:tgtEl>
+                                          <p:spTgt spid="11"/>
+                                        </p:tgtEl>
+                                        <p:attrNameLst>
+                                          <p:attrName>style.visibility</p:attrName>
+                                        </p:attrNameLst>
+                                      </p:cBhvr>
+                                      <p:to>
+                                        <p:strVal val="hidden"/>
+                                      </p:to>
+                                    </p:set>
+                                  </p:childTnLst>
+                                </p:cTn>
+                              </p:par>
+                              <p:par>
+                                <p:cTn id="39" presetID="1" presetClass="exit" presetSubtype="0" fill="hold" grpId="1" nodeType="withEffect">
+                                  <p:stCondLst>
+                                    <p:cond delay="0"/>
+                                  </p:stCondLst>
+                                  <p:childTnLst>
+                                    <p:set>
+                                      <p:cBhvr>
+                                        <p:cTn id="40" dur="1" fill="hold">
+                                          <p:stCondLst>
+                                            <p:cond delay="0"/>
+                                          </p:stCondLst>
+                                        </p:cTn>
+                                        <p:tgtEl>
+                                          <p:spTgt spid="12"/>
+                                        </p:tgtEl>
+                                        <p:attrNameLst>
+                                          <p:attrName>style.visibility</p:attrName>
+                                        </p:attrNameLst>
+                                      </p:cBhvr>
+                                      <p:to>
+                                        <p:strVal val="hidden"/>
+                                      </p:to>
+                                    </p:set>
+                                  </p:childTnLst>
+                                </p:cTn>
+                              </p:par>
+                              <p:par>
+                                <p:cTn id="41" presetID="1" presetClass="exit" presetSubtype="0" fill="hold" grpId="1" nodeType="withEffect">
+                                  <p:stCondLst>
+                                    <p:cond delay="0"/>
+                                  </p:stCondLst>
+                                  <p:childTnLst>
+                                    <p:set>
+                                      <p:cBhvr>
+                                        <p:cTn id="42" dur="1" fill="hold">
+                                          <p:stCondLst>
+                                            <p:cond delay="0"/>
+                                          </p:stCondLst>
+                                        </p:cTn>
+                                        <p:tgtEl>
+                                          <p:spTgt spid="17"/>
+                                        </p:tgtEl>
+                                        <p:attrNameLst>
+                                          <p:attrName>style.visibility</p:attrName>
+                                        </p:attrNameLst>
+                                      </p:cBhvr>
+                                      <p:to>
+                                        <p:strVal val="hidden"/>
+                                      </p:to>
+                                    </p:set>
+                                  </p:childTnLst>
+                                </p:cTn>
+                              </p:par>
+                            </p:childTnLst>
+                          </p:cTn>
+                        </p:par>
+                      </p:childTnLst>
+                    </p:cTn>
+                  </p:par>
+                  <p:par>
+                    <p:cTn id="43" fill="hold">
+                      <p:stCondLst>
+                        <p:cond delay="indefinite"/>
+                      </p:stCondLst>
+                      <p:childTnLst>
+                        <p:par>
+                          <p:cTn id="44" fill="hold">
+                            <p:stCondLst>
+                              <p:cond delay="0"/>
+                            </p:stCondLst>
+                            <p:childTnLst>
+                              <p:par>
+                                <p:cTn id="45" presetID="1" presetClass="entr" presetSubtype="0" fill="hold" grpId="0" nodeType="clickEffect">
+                                  <p:stCondLst>
+                                    <p:cond delay="0"/>
+                                  </p:stCondLst>
+                                  <p:childTnLst>
+                                    <p:set>
+                                      <p:cBhvr>
+                                        <p:cTn id="46" dur="1" fill="hold">
+                                          <p:stCondLst>
+                                            <p:cond delay="0"/>
+                                          </p:stCondLst>
+                                        </p:cTn>
+                                        <p:tgtEl>
+                                          <p:spTgt spid="14"/>
+                                        </p:tgtEl>
+                                        <p:attrNameLst>
+                                          <p:attrName>style.visibility</p:attrName>
+                                        </p:attrNameLst>
+                                      </p:cBhvr>
+                                      <p:to>
+                                        <p:strVal val="visible"/>
+                                      </p:to>
+                                    </p:set>
+                                  </p:childTnLst>
+                                </p:cTn>
+                              </p:par>
+                            </p:childTnLst>
+                          </p:cTn>
+                        </p:par>
+                      </p:childTnLst>
+                    </p:cTn>
+                  </p:par>
+                  <p:par>
+                    <p:cTn id="47" fill="hold">
+                      <p:stCondLst>
+                        <p:cond delay="indefinite"/>
+                      </p:stCondLst>
+                      <p:childTnLst>
+                        <p:par>
+                          <p:cTn id="48" fill="hold">
+                            <p:stCondLst>
+                              <p:cond delay="0"/>
+                            </p:stCondLst>
+                            <p:childTnLst>
+                              <p:par>
+                                <p:cTn id="49" presetID="1" presetClass="exit" presetSubtype="0" fill="hold" grpId="1" nodeType="clickEffect">
+                                  <p:stCondLst>
+                                    <p:cond delay="0"/>
+                                  </p:stCondLst>
+                                  <p:childTnLst>
+                                    <p:set>
+                                      <p:cBhvr>
+                                        <p:cTn id="50" dur="1" fill="hold">
+                                          <p:stCondLst>
+                                            <p:cond delay="0"/>
+                                          </p:stCondLst>
+                                        </p:cTn>
+                                        <p:tgtEl>
+                                          <p:spTgt spid="14"/>
+                                        </p:tgtEl>
+                                        <p:attrNameLst>
+                                          <p:attrName>style.visibility</p:attrName>
+                                        </p:attrNameLst>
+                                      </p:cBhvr>
+                                      <p:to>
+                                        <p:strVal val="hidden"/>
+                                      </p:to>
+                                    </p:set>
+                                  </p:childTnLst>
+                                </p:cTn>
+                              </p:par>
+                            </p:childTnLst>
+                          </p:cTn>
+                        </p:par>
+                      </p:childTnLst>
+                    </p:cTn>
+                  </p:par>
+                </p:childTnLst>
+              </p:cTn>
+              <p:prevCondLst>
+                <p:cond evt="onPrev" delay="0">
+                  <p:tgtEl>
+                    <p:sldTgt/>
+                  </p:tgtEl>
+                </p:cond>
+              </p:prevCondLst>
+              <p:nextCondLst>
+                <p:cond evt="onNext" delay="0">
+                  <p:tgtEl>
+                    <p:sldTgt/>
+                  </p:tgtEl>
+                </p:cond>
+              </p:nextCondLst>
+            </p:seq>
+          </p:childTnLst>
+        </p:cTn>
+      </p:par>
+    </p:tnLst>
+    <p:bldLst>
+      <p:bldP spid="10" grpId="0" animBg="1"/>
+      <p:bldP spid="10" grpId="1" animBg="1"/>
+      <p:bldP spid="11" grpId="0" animBg="1"/>
+      <p:bldP spid="11" grpId="1" animBg="1"/>
+      <p:bldP spid="12" grpId="0" animBg="1"/>
+      <p:bldP spid="12" grpId="1" animBg="1"/>
+      <p:bldP spid="13" grpId="0" animBg="1"/>
+      <p:bldP spid="13" grpId="1" animBg="1"/>
+      <p:bldP spid="14" grpId="0" animBg="1"/>
+      <p:bldP spid="14" grpId="1" animBg="1"/>
+      <p:bldP spid="15" grpId="0" animBg="1"/>
+      <p:bldP spid="15" grpId="1" animBg="1"/>
+      <p:bldP spid="16" grpId="0" animBg="1"/>
+      <p:bldP spid="16" grpId="1" animBg="1"/>
+      <p:bldP spid="17" grpId="0" animBg="1"/>
+      <p:bldP spid="17" grpId="1" animBg="1"/>
+    </p:bldLst>
+  </p:timing>
 </p:sld>
 </file>
 
@@ -10770,7 +12013,7 @@
             <p:ph sz="half" idx="1"/>
           </p:nvPr>
         </p:nvPicPr>
-        <p:blipFill>
+        <p:blipFill rotWithShape="1">
           <a:blip r:embed="rId4">
             <a:extLst>
               <a:ext uri="{28A0092B-C50C-407E-A947-70E740481C1C}">
@@ -10778,15 +12021,19 @@
               </a:ext>
             </a:extLst>
           </a:blip>
-          <a:stretch>
-            <a:fillRect/>
-          </a:stretch>
+          <a:srcRect l="3035" t="5049" r="2559" b="8248"/>
+          <a:stretch/>
         </p:blipFill>
         <p:spPr>
           <a:xfrm>
-            <a:off x="554990" y="1532720"/>
-            <a:ext cx="4600772" cy="3600000"/>
+            <a:off x="694592" y="1714500"/>
+            <a:ext cx="4343400" cy="3121269"/>
           </a:xfrm>
+          <a:ln>
+            <a:solidFill>
+              <a:schemeClr val="accent2"/>
+            </a:solidFill>
+          </a:ln>
         </p:spPr>
       </p:pic>
       <p:pic>
@@ -10805,7 +12052,7 @@
             <p:ph sz="half" idx="2"/>
           </p:nvPr>
         </p:nvPicPr>
-        <p:blipFill>
+        <p:blipFill rotWithShape="1">
           <a:blip r:embed="rId5">
             <a:extLst>
               <a:ext uri="{28A0092B-C50C-407E-A947-70E740481C1C}">
@@ -10813,15 +12060,19 @@
               </a:ext>
             </a:extLst>
           </a:blip>
-          <a:stretch>
-            <a:fillRect/>
-          </a:stretch>
+          <a:srcRect l="2543" t="5049" r="3656" b="8248"/>
+          <a:stretch/>
         </p:blipFill>
         <p:spPr>
           <a:xfrm>
-            <a:off x="5813865" y="1532720"/>
-            <a:ext cx="4630458" cy="3600000"/>
+            <a:off x="5931634" y="1714500"/>
+            <a:ext cx="4343400" cy="3121269"/>
           </a:xfrm>
+          <a:ln>
+            <a:solidFill>
+              <a:schemeClr val="accent2"/>
+            </a:solidFill>
+          </a:ln>
         </p:spPr>
       </p:pic>
       <p:sp>
@@ -10851,6 +12102,128 @@
               <a:t>3</a:t>
             </a:fld>
             <a:endParaRPr lang="en-US" noProof="1"/>
+          </a:p>
+        </p:txBody>
+      </p:sp>
+      <p:sp>
+        <p:nvSpPr>
+          <p:cNvPr id="3" name="Textfeld 2">
+            <a:extLst>
+              <a:ext uri="{FF2B5EF4-FFF2-40B4-BE49-F238E27FC236}">
+                <a16:creationId xmlns:a16="http://schemas.microsoft.com/office/drawing/2014/main" id="{4A237D7A-2135-4570-8519-86BA003D8FE3}"/>
+              </a:ext>
+            </a:extLst>
+          </p:cNvPr>
+          <p:cNvSpPr txBox="1"/>
+          <p:nvPr/>
+        </p:nvSpPr>
+        <p:spPr>
+          <a:xfrm>
+            <a:off x="694592" y="4835769"/>
+            <a:ext cx="4600772" cy="292134"/>
+          </a:xfrm>
+          <a:prstGeom prst="rect">
+            <a:avLst/>
+          </a:prstGeom>
+          <a:noFill/>
+        </p:spPr>
+        <p:txBody>
+          <a:bodyPr wrap="square" lIns="0" tIns="0" rIns="0" bIns="0" rtlCol="0">
+            <a:noAutofit/>
+          </a:bodyPr>
+          <a:lstStyle/>
+          <a:p>
+            <a:pPr marR="0" algn="l" defTabSz="914400" eaLnBrk="1" fontAlgn="auto" latinLnBrk="0" hangingPunct="1">
+              <a:spcBef>
+                <a:spcPts val="500"/>
+              </a:spcBef>
+              <a:spcAft>
+                <a:spcPts val="0"/>
+              </a:spcAft>
+              <a:buClrTx/>
+              <a:buSzTx/>
+              <a:buFontTx/>
+              <a:buNone/>
+              <a:tabLst/>
+            </a:pPr>
+            <a:r>
+              <a:rPr kumimoji="0" lang="de-DE" sz="1000" b="0" i="1" u="none" strike="noStrike" kern="0" cap="none" spc="0" normalizeH="0" baseline="0" noProof="0" dirty="0">
+                <a:ln>
+                  <a:noFill/>
+                </a:ln>
+                <a:solidFill>
+                  <a:schemeClr val="tx1">
+                    <a:lumMod val="50000"/>
+                    <a:lumOff val="50000"/>
+                  </a:schemeClr>
+                </a:solidFill>
+                <a:effectLst/>
+                <a:uLnTx/>
+                <a:uFillTx/>
+              </a:rPr>
+              <a:t>Abb. 1: Geschwindigkeitsüberschreitungen nach PKW- und Motorradfahrern an bestimmten Messstationen</a:t>
+            </a:r>
+          </a:p>
+        </p:txBody>
+      </p:sp>
+      <p:sp>
+        <p:nvSpPr>
+          <p:cNvPr id="9" name="Textfeld 8">
+            <a:extLst>
+              <a:ext uri="{FF2B5EF4-FFF2-40B4-BE49-F238E27FC236}">
+                <a16:creationId xmlns:a16="http://schemas.microsoft.com/office/drawing/2014/main" id="{7827578E-BF0C-4B50-ADF6-8A13F48A4336}"/>
+              </a:ext>
+            </a:extLst>
+          </p:cNvPr>
+          <p:cNvSpPr txBox="1"/>
+          <p:nvPr/>
+        </p:nvSpPr>
+        <p:spPr>
+          <a:xfrm>
+            <a:off x="5931634" y="4835769"/>
+            <a:ext cx="4600772" cy="292134"/>
+          </a:xfrm>
+          <a:prstGeom prst="rect">
+            <a:avLst/>
+          </a:prstGeom>
+          <a:noFill/>
+        </p:spPr>
+        <p:txBody>
+          <a:bodyPr wrap="square" lIns="0" tIns="0" rIns="0" bIns="0" rtlCol="0">
+            <a:noAutofit/>
+          </a:bodyPr>
+          <a:lstStyle/>
+          <a:p>
+            <a:pPr marR="0" algn="l" defTabSz="914400" eaLnBrk="1" fontAlgn="auto" latinLnBrk="0" hangingPunct="1">
+              <a:spcBef>
+                <a:spcPts val="500"/>
+              </a:spcBef>
+              <a:spcAft>
+                <a:spcPts val="0"/>
+              </a:spcAft>
+              <a:buClrTx/>
+              <a:buSzTx/>
+              <a:buFontTx/>
+              <a:buNone/>
+              <a:tabLst/>
+            </a:pPr>
+            <a:r>
+              <a:rPr kumimoji="0" lang="de-DE" sz="1000" b="0" i="1" u="none" strike="noStrike" kern="0" cap="none" spc="0" normalizeH="0" baseline="0" noProof="0" dirty="0">
+                <a:ln>
+                  <a:noFill/>
+                </a:ln>
+                <a:solidFill>
+                  <a:schemeClr val="tx1">
+                    <a:lumMod val="50000"/>
+                    <a:lumOff val="50000"/>
+                  </a:schemeClr>
+                </a:solidFill>
+                <a:effectLst/>
+                <a:uLnTx/>
+                <a:uFillTx/>
+              </a:rPr>
+              <a:t>Abb. 2: Unfallschwere über Geschwindigkeit</a:t>
+            </a:r>
           </a:p>
         </p:txBody>
       </p:sp>
@@ -10889,6 +12262,36 @@
       </p:grpSpPr>
       <p:sp>
         <p:nvSpPr>
+          <p:cNvPr id="6" name="chapter_conv">
+            <a:extLst>
+              <a:ext uri="{FF2B5EF4-FFF2-40B4-BE49-F238E27FC236}">
+                <a16:creationId xmlns:a16="http://schemas.microsoft.com/office/drawing/2014/main" id="{A1CFF985-F2F8-4B4B-9D84-A29123AE782A}"/>
+              </a:ext>
+            </a:extLst>
+          </p:cNvPr>
+          <p:cNvSpPr>
+            <a:spLocks noGrp="1"/>
+          </p:cNvSpPr>
+          <p:nvPr>
+            <p:ph type="body" sz="quarter" idx="15"/>
+          </p:nvPr>
+        </p:nvSpPr>
+        <p:spPr/>
+        <p:txBody>
+          <a:bodyPr vert="horz" lIns="0" tIns="0" rIns="0" bIns="0" rtlCol="0">
+            <a:noAutofit/>
+          </a:bodyPr>
+          <a:lstStyle/>
+          <a:p>
+            <a:r>
+              <a:rPr lang="de-DE" dirty="0"/>
+              <a:t>Einleitung</a:t>
+            </a:r>
+          </a:p>
+        </p:txBody>
+      </p:sp>
+      <p:sp>
+        <p:nvSpPr>
           <p:cNvPr id="4" name="Titel 3">
             <a:extLst>
               <a:ext uri="{FF2B5EF4-FFF2-40B4-BE49-F238E27FC236}">
@@ -10903,12 +12306,7 @@
             <p:ph type="title"/>
           </p:nvPr>
         </p:nvSpPr>
-        <p:spPr>
-          <a:xfrm>
-            <a:off x="205199" y="648000"/>
-            <a:ext cx="10558800" cy="388800"/>
-          </a:xfrm>
-        </p:spPr>
+        <p:spPr/>
         <p:txBody>
           <a:bodyPr lIns="0" tIns="0" rIns="0" bIns="0"/>
           <a:lstStyle/>
@@ -10916,41 +12314,6 @@
             <a:r>
               <a:rPr lang="de-DE" dirty="0"/>
               <a:t>Unfallerkennungsalgorithmus</a:t>
-            </a:r>
-          </a:p>
-        </p:txBody>
-      </p:sp>
-      <p:sp>
-        <p:nvSpPr>
-          <p:cNvPr id="6" name="chapter_conv">
-            <a:extLst>
-              <a:ext uri="{FF2B5EF4-FFF2-40B4-BE49-F238E27FC236}">
-                <a16:creationId xmlns:a16="http://schemas.microsoft.com/office/drawing/2014/main" id="{A1CFF985-F2F8-4B4B-9D84-A29123AE782A}"/>
-              </a:ext>
-            </a:extLst>
-          </p:cNvPr>
-          <p:cNvSpPr>
-            <a:spLocks noGrp="1"/>
-          </p:cNvSpPr>
-          <p:nvPr>
-            <p:ph type="body" sz="quarter" idx="15"/>
-          </p:nvPr>
-        </p:nvSpPr>
-        <p:spPr>
-          <a:xfrm>
-            <a:off x="205199" y="259200"/>
-            <a:ext cx="10558800" cy="388800"/>
-          </a:xfrm>
-        </p:spPr>
-        <p:txBody>
-          <a:bodyPr vert="horz" lIns="0" tIns="0" rIns="0" bIns="0" rtlCol="0">
-            <a:noAutofit/>
-          </a:bodyPr>
-          <a:lstStyle/>
-          <a:p>
-            <a:r>
-              <a:rPr lang="de-DE" dirty="0"/>
-              <a:t>Einleitung</a:t>
             </a:r>
           </a:p>
         </p:txBody>
@@ -10968,15 +12331,10 @@
             <a:spLocks noGrp="1"/>
           </p:cNvSpPr>
           <p:nvPr>
-            <p:ph sz="quarter" idx="1"/>
+            <p:ph sz="half" idx="1"/>
           </p:nvPr>
         </p:nvSpPr>
-        <p:spPr>
-          <a:xfrm>
-            <a:off x="205232" y="1296000"/>
-            <a:ext cx="10450799" cy="4168801"/>
-          </a:xfrm>
-        </p:spPr>
+        <p:spPr/>
         <p:txBody>
           <a:bodyPr lIns="0" tIns="0" rIns="0" bIns="0"/>
           <a:lstStyle/>
@@ -11052,6 +12410,44 @@
           </a:p>
         </p:txBody>
       </p:sp>
+      <p:pic>
+        <p:nvPicPr>
+          <p:cNvPr id="9" name="Inhaltsplatzhalter 8">
+            <a:extLst>
+              <a:ext uri="{FF2B5EF4-FFF2-40B4-BE49-F238E27FC236}">
+                <a16:creationId xmlns:a16="http://schemas.microsoft.com/office/drawing/2014/main" id="{5160D804-81EB-4105-B365-386DFD987F5B}"/>
+              </a:ext>
+            </a:extLst>
+          </p:cNvPr>
+          <p:cNvPicPr>
+            <a:picLocks noGrp="1" noChangeAspect="1"/>
+          </p:cNvPicPr>
+          <p:nvPr>
+            <p:ph sz="half" idx="2"/>
+          </p:nvPr>
+        </p:nvPicPr>
+        <p:blipFill>
+          <a:blip r:embed="rId3"/>
+          <a:stretch>
+            <a:fillRect/>
+          </a:stretch>
+        </p:blipFill>
+        <p:spPr>
+          <a:xfrm>
+            <a:off x="5484600" y="1568293"/>
+            <a:ext cx="4914900" cy="3034026"/>
+          </a:xfrm>
+          <a:prstGeom prst="rect">
+            <a:avLst/>
+          </a:prstGeom>
+          <a:ln>
+            <a:noFill/>
+          </a:ln>
+          <a:effectLst>
+            <a:softEdge rad="112500"/>
+          </a:effectLst>
+        </p:spPr>
+      </p:pic>
     </p:spTree>
     <p:custDataLst>
       <p:tags r:id="rId1"/>
@@ -16943,6 +18339,27 @@
 </file>
 
 <file path=customXml/item1.xml><?xml version="1.0" encoding="utf-8"?>
+<sax_Colors>
+  <Line size="7">
+    <Color val="9e2896" tooltip="Bosch Purple 40"/>
+    <Color val="551151" tooltip="Bosch Purple 20"/>
+  </Line>
+  <Line size="7">
+    <Color val="007bc0" tooltip="Bosch Blue 50"/>
+    <Color val="004975" tooltip="Bosch Blue 30"/>
+  </Line>
+  <Line size="7">
+    <Color val="18837e" tooltip="Bosch Turquoise 50"/>
+    <Color val="0a4f4b" tooltip="Bosch Turquoise 30"/>
+  </Line>
+  <Line size="7">
+    <Color val="00884a" tooltip="Bosch Green 50"/>
+    <Color val="00512a" tooltip="Bosch Green 30"/>
+  </Line>
+</sax_Colors>
+</file>
+
+<file path=customXml/item2.xml><?xml version="1.0" encoding="utf-8"?>
 <saxML>
   <saxMLTemplate>presentation_169</saxMLTemplate>
   <Variablen>
@@ -17030,7 +18447,7 @@
     <Variable>
       <Name>dateformat</Name>
       <OrgInhalt>10.10.2022</OrgInhalt>
-      <Wert>10.10.2022</Wert>
+      <Wert>14.10.2022</Wert>
       <Platzhalter>False</Platzhalter>
       <DocDatenDialog>True</DocDatenDialog>
       <Label>Datum</Label>
@@ -17091,35 +18508,14 @@
 </saxML>
 </file>
 
-<file path=customXml/item2.xml><?xml version="1.0" encoding="utf-8"?>
-<sax_Colors>
-  <Line size="7">
-    <Color val="9e2896" tooltip="Bosch Purple 40"/>
-    <Color val="551151" tooltip="Bosch Purple 20"/>
-  </Line>
-  <Line size="7">
-    <Color val="007bc0" tooltip="Bosch Blue 50"/>
-    <Color val="004975" tooltip="Bosch Blue 30"/>
-  </Line>
-  <Line size="7">
-    <Color val="18837e" tooltip="Bosch Turquoise 50"/>
-    <Color val="0a4f4b" tooltip="Bosch Turquoise 30"/>
-  </Line>
-  <Line size="7">
-    <Color val="00884a" tooltip="Bosch Green 50"/>
-    <Color val="00512a" tooltip="Bosch Green 30"/>
-  </Line>
-</sax_Colors>
-</file>
-
 <file path=customXml/itemProps1.xml><?xml version="1.0" encoding="utf-8"?>
-<ds:datastoreItem xmlns:ds="http://schemas.openxmlformats.org/officeDocument/2006/customXml" ds:itemID="{304CF217-3C90-4AA0-B541-CE45F9BD305E}">
+<ds:datastoreItem xmlns:ds="http://schemas.openxmlformats.org/officeDocument/2006/customXml" ds:itemID="{D0252559-44F8-474C-B66D-E357B88E32C2}">
   <ds:schemaRefs/>
 </ds:datastoreItem>
 </file>
 
 <file path=customXml/itemProps2.xml><?xml version="1.0" encoding="utf-8"?>
-<ds:datastoreItem xmlns:ds="http://schemas.openxmlformats.org/officeDocument/2006/customXml" ds:itemID="{D0252559-44F8-474C-B66D-E357B88E32C2}">
+<ds:datastoreItem xmlns:ds="http://schemas.openxmlformats.org/officeDocument/2006/customXml" ds:itemID="{5733B6AC-5E6D-44B8-A77D-5101ADA64234}">
   <ds:schemaRefs/>
 </ds:datastoreItem>
 </file>
--- a/Zwischenvortrag_converted.pptx
+++ b/Zwischenvortrag_converted.pptx
@@ -12,18 +12,18 @@
     <p:sldId id="259" r:id="rId5"/>
     <p:sldId id="261" r:id="rId6"/>
     <p:sldId id="262" r:id="rId7"/>
-    <p:sldId id="263" r:id="rId8"/>
-    <p:sldId id="264" r:id="rId9"/>
-    <p:sldId id="265" r:id="rId10"/>
-    <p:sldId id="272" r:id="rId11"/>
-    <p:sldId id="266" r:id="rId12"/>
-    <p:sldId id="273" r:id="rId13"/>
-    <p:sldId id="267" r:id="rId14"/>
-    <p:sldId id="268" r:id="rId15"/>
-    <p:sldId id="269" r:id="rId16"/>
-    <p:sldId id="270" r:id="rId17"/>
-    <p:sldId id="271" r:id="rId18"/>
-    <p:sldId id="260" r:id="rId19"/>
+    <p:sldId id="274" r:id="rId8"/>
+    <p:sldId id="263" r:id="rId9"/>
+    <p:sldId id="264" r:id="rId10"/>
+    <p:sldId id="265" r:id="rId11"/>
+    <p:sldId id="272" r:id="rId12"/>
+    <p:sldId id="266" r:id="rId13"/>
+    <p:sldId id="273" r:id="rId14"/>
+    <p:sldId id="267" r:id="rId15"/>
+    <p:sldId id="268" r:id="rId16"/>
+    <p:sldId id="269" r:id="rId17"/>
+    <p:sldId id="275" r:id="rId18"/>
+    <p:sldId id="276" r:id="rId19"/>
   </p:sldIdLst>
   <p:sldSz cx="10969625" cy="6170613"/>
   <p:notesSz cx="6858000" cy="9144000"/>
@@ -245,7 +245,7 @@
           <a:p>
             <a:fld id="{6007911F-CEAF-4F0B-98BD-EFB38C6572AA}" type="datetimeFigureOut">
               <a:rPr lang="de-DE" smtClean="0"/>
-              <a:t>13.10.2022</a:t>
+              <a:t>14.10.2022</a:t>
             </a:fld>
             <a:endParaRPr lang="de-DE"/>
           </a:p>
@@ -804,7 +804,7 @@
           <a:p>
             <a:fld id="{492D48B2-9EB0-4B37-9B35-FC11E2EA535A}" type="slidenum">
               <a:rPr lang="de-DE" smtClean="0"/>
-              <a:t>7</a:t>
+              <a:t>8</a:t>
             </a:fld>
             <a:endParaRPr lang="de-DE"/>
           </a:p>
@@ -936,7 +936,7 @@
           <a:p>
             <a:fld id="{492D48B2-9EB0-4B37-9B35-FC11E2EA535A}" type="slidenum">
               <a:rPr lang="de-DE" smtClean="0"/>
-              <a:t>8</a:t>
+              <a:t>9</a:t>
             </a:fld>
             <a:endParaRPr lang="de-DE"/>
           </a:p>
@@ -1029,7 +1029,7 @@
           <a:p>
             <a:fld id="{492D48B2-9EB0-4B37-9B35-FC11E2EA535A}" type="slidenum">
               <a:rPr lang="de-DE" smtClean="0"/>
-              <a:t>9</a:t>
+              <a:t>10</a:t>
             </a:fld>
             <a:endParaRPr lang="de-DE"/>
           </a:p>
@@ -1122,7 +1122,7 @@
           <a:p>
             <a:fld id="{492D48B2-9EB0-4B37-9B35-FC11E2EA535A}" type="slidenum">
               <a:rPr lang="de-DE" smtClean="0"/>
-              <a:t>10</a:t>
+              <a:t>11</a:t>
             </a:fld>
             <a:endParaRPr lang="de-DE"/>
           </a:p>
@@ -8497,7 +8497,7 @@
           <a:p>
             <a:r>
               <a:rPr lang="de-DE" dirty="0"/>
-              <a:t>Zwischenvortrag - Masterarbeit</a:t>
+              <a:t>Zwischenvortrag – Masterarbeit</a:t>
             </a:r>
             <a:br>
               <a:rPr lang="de-DE" dirty="0"/>
@@ -8634,8 +8634,362 @@
           </a:p>
         </p:txBody>
       </p:sp>
-      <mc:AlternateContent xmlns:mc="http://schemas.openxmlformats.org/markup-compatibility/2006" xmlns:a14="http://schemas.microsoft.com/office/drawing/2010/main">
-        <mc:Choice Requires="a14">
+      <p:sp>
+        <p:nvSpPr>
+          <p:cNvPr id="5" name="Inhaltsplatzhalter 4">
+            <a:extLst>
+              <a:ext uri="{FF2B5EF4-FFF2-40B4-BE49-F238E27FC236}">
+                <a16:creationId xmlns:a16="http://schemas.microsoft.com/office/drawing/2014/main" id="{34BB2F14-FF7A-4B8F-8A2A-A5FE5E9898C8}"/>
+              </a:ext>
+            </a:extLst>
+          </p:cNvPr>
+          <p:cNvSpPr>
+            <a:spLocks noGrp="1"/>
+          </p:cNvSpPr>
+          <p:nvPr>
+            <p:ph sz="half" idx="1"/>
+          </p:nvPr>
+        </p:nvSpPr>
+        <p:spPr/>
+        <p:txBody>
+          <a:bodyPr lIns="0" tIns="0" rIns="0" bIns="0"/>
+          <a:lstStyle/>
+          <a:p>
+            <a:r>
+              <a:rPr lang="de-DE" dirty="0">
+                <a:solidFill>
+                  <a:srgbClr val="000000"/>
+                </a:solidFill>
+              </a:rPr>
+              <a:t>Spitzenzähler</a:t>
+            </a:r>
+          </a:p>
+          <a:p>
+            <a:pPr lvl="1"/>
+            <a:r>
+              <a:rPr lang="de-DE" dirty="0">
+                <a:solidFill>
+                  <a:srgbClr val="000000"/>
+                </a:solidFill>
+              </a:rPr>
+              <a:t>Hypothese: Jede Spitze aufzählen und Mittelwert bilden</a:t>
+            </a:r>
+          </a:p>
+          <a:p>
+            <a:pPr lvl="1"/>
+            <a:r>
+              <a:rPr lang="de-DE" dirty="0">
+                <a:solidFill>
+                  <a:srgbClr val="000000"/>
+                </a:solidFill>
+              </a:rPr>
+              <a:t>Modell:</a:t>
+            </a:r>
+          </a:p>
+          <a:p>
+            <a:pPr lvl="2"/>
+            <a:r>
+              <a:rPr lang="de-DE" dirty="0">
+                <a:solidFill>
+                  <a:srgbClr val="000000"/>
+                </a:solidFill>
+              </a:rPr>
+              <a:t>Modell implementieren</a:t>
+            </a:r>
+          </a:p>
+          <a:p>
+            <a:pPr lvl="2"/>
+            <a:r>
+              <a:rPr lang="de-DE" dirty="0">
+                <a:solidFill>
+                  <a:srgbClr val="000000"/>
+                </a:solidFill>
+              </a:rPr>
+              <a:t>Sinuskurve generieren</a:t>
+            </a:r>
+          </a:p>
+          <a:p>
+            <a:pPr lvl="2"/>
+            <a:r>
+              <a:rPr lang="de-DE" dirty="0">
+                <a:solidFill>
+                  <a:srgbClr val="000000"/>
+                </a:solidFill>
+              </a:rPr>
+              <a:t>Modell testen</a:t>
+            </a:r>
+          </a:p>
+          <a:p>
+            <a:pPr lvl="1"/>
+            <a:r>
+              <a:rPr lang="de-DE" dirty="0">
+                <a:solidFill>
+                  <a:srgbClr val="000000"/>
+                </a:solidFill>
+              </a:rPr>
+              <a:t>Ergebnis:</a:t>
+            </a:r>
+          </a:p>
+          <a:p>
+            <a:pPr lvl="2"/>
+            <a:r>
+              <a:rPr lang="de-DE" dirty="0">
+                <a:solidFill>
+                  <a:srgbClr val="000000"/>
+                </a:solidFill>
+              </a:rPr>
+              <a:t>Rauschen und Störungen nicht erkennbar </a:t>
+            </a:r>
+            <a:r>
+              <a:rPr lang="de-DE" dirty="0">
+                <a:solidFill>
+                  <a:srgbClr val="000000"/>
+                </a:solidFill>
+                <a:sym typeface="Wingdings" panose="05000000000000000000" pitchFamily="2" charset="2"/>
+              </a:rPr>
+              <a:t> </a:t>
+            </a:r>
+            <a:r>
+              <a:rPr lang="de-DE" dirty="0">
+                <a:solidFill>
+                  <a:srgbClr val="000000"/>
+                </a:solidFill>
+              </a:rPr>
+              <a:t>Keine kräftige Aussage</a:t>
+            </a:r>
+          </a:p>
+        </p:txBody>
+      </p:sp>
+      <p:sp>
+        <p:nvSpPr>
+          <p:cNvPr id="4" name="Foliennummernplatzhalter 3">
+            <a:extLst>
+              <a:ext uri="{FF2B5EF4-FFF2-40B4-BE49-F238E27FC236}">
+                <a16:creationId xmlns:a16="http://schemas.microsoft.com/office/drawing/2014/main" id="{59BF6FA1-6418-4DE0-99D4-1E4BD0BEC382}"/>
+              </a:ext>
+            </a:extLst>
+          </p:cNvPr>
+          <p:cNvSpPr>
+            <a:spLocks noGrp="1"/>
+          </p:cNvSpPr>
+          <p:nvPr>
+            <p:ph type="sldNum" sz="quarter" idx="12"/>
+          </p:nvPr>
+        </p:nvSpPr>
+        <p:spPr/>
+        <p:txBody>
+          <a:bodyPr/>
+          <a:lstStyle/>
+          <a:p>
+            <a:fld id="{4898AEC0-503E-4FA4-859C-D0F72D6E3F79}" type="slidenum">
+              <a:rPr lang="en-US" noProof="1" smtClean="0"/>
+              <a:pPr/>
+              <a:t>10</a:t>
+            </a:fld>
+            <a:endParaRPr lang="en-US" noProof="1"/>
+          </a:p>
+        </p:txBody>
+      </p:sp>
+      <p:pic>
+        <p:nvPicPr>
+          <p:cNvPr id="11" name="Inhaltsplatzhalter 7">
+            <a:extLst>
+              <a:ext uri="{FF2B5EF4-FFF2-40B4-BE49-F238E27FC236}">
+                <a16:creationId xmlns:a16="http://schemas.microsoft.com/office/drawing/2014/main" id="{2FE2C4BF-57A5-43CF-9711-68464BCDFDF0}"/>
+              </a:ext>
+            </a:extLst>
+          </p:cNvPr>
+          <p:cNvPicPr>
+            <a:picLocks noGrp="1" noChangeAspect="1"/>
+          </p:cNvPicPr>
+          <p:nvPr>
+            <p:ph sz="half" idx="2"/>
+          </p:nvPr>
+        </p:nvPicPr>
+        <p:blipFill rotWithShape="1">
+          <a:blip r:embed="rId4">
+            <a:extLst>
+              <a:ext uri="{28A0092B-C50C-407E-A947-70E740481C1C}">
+                <a14:useLocalDpi xmlns:a14="http://schemas.microsoft.com/office/drawing/2010/main" val="0"/>
+              </a:ext>
+            </a:extLst>
+          </a:blip>
+          <a:srcRect l="8818" t="5959" r="7462"/>
+          <a:stretch/>
+        </p:blipFill>
+        <p:spPr>
+          <a:xfrm>
+            <a:off x="5484600" y="1722356"/>
+            <a:ext cx="4914900" cy="2725899"/>
+          </a:xfrm>
+          <a:ln>
+            <a:solidFill>
+              <a:schemeClr val="accent1"/>
+            </a:solidFill>
+          </a:ln>
+        </p:spPr>
+      </p:pic>
+      <p:sp>
+        <p:nvSpPr>
+          <p:cNvPr id="12" name="Textfeld 11">
+            <a:extLst>
+              <a:ext uri="{FF2B5EF4-FFF2-40B4-BE49-F238E27FC236}">
+                <a16:creationId xmlns:a16="http://schemas.microsoft.com/office/drawing/2014/main" id="{E2876FEF-2A3E-4EBC-BDA7-02F5A4AC3BBF}"/>
+              </a:ext>
+            </a:extLst>
+          </p:cNvPr>
+          <p:cNvSpPr txBox="1"/>
+          <p:nvPr/>
+        </p:nvSpPr>
+        <p:spPr>
+          <a:xfrm>
+            <a:off x="5484601" y="4467900"/>
+            <a:ext cx="4855154" cy="246221"/>
+          </a:xfrm>
+          <a:prstGeom prst="rect">
+            <a:avLst/>
+          </a:prstGeom>
+          <a:noFill/>
+        </p:spPr>
+        <p:txBody>
+          <a:bodyPr wrap="square">
+            <a:spAutoFit/>
+          </a:bodyPr>
+          <a:lstStyle/>
+          <a:p>
+            <a:pPr marL="0" marR="0" lvl="0" indent="0" algn="l" defTabSz="914400" rtl="0" eaLnBrk="1" fontAlgn="auto" latinLnBrk="0" hangingPunct="1">
+              <a:lnSpc>
+                <a:spcPct val="100000"/>
+              </a:lnSpc>
+              <a:spcBef>
+                <a:spcPts val="500"/>
+              </a:spcBef>
+              <a:spcAft>
+                <a:spcPts val="0"/>
+              </a:spcAft>
+              <a:buClrTx/>
+              <a:buSzTx/>
+              <a:buFontTx/>
+              <a:buNone/>
+              <a:tabLst/>
+              <a:defRPr/>
+            </a:pPr>
+            <a:r>
+              <a:rPr kumimoji="0" lang="de-DE" sz="1000" b="0" i="1" u="none" strike="noStrike" kern="0" cap="none" spc="0" normalizeH="0" baseline="0" noProof="0" dirty="0">
+                <a:ln>
+                  <a:noFill/>
+                </a:ln>
+                <a:solidFill>
+                  <a:prstClr val="black">
+                    <a:lumMod val="50000"/>
+                    <a:lumOff val="50000"/>
+                  </a:prstClr>
+                </a:solidFill>
+                <a:effectLst/>
+                <a:uLnTx/>
+                <a:uFillTx/>
+                <a:latin typeface="Bosch Office Sans" pitchFamily="34" charset="0"/>
+                <a:ea typeface="+mn-ea"/>
+                <a:cs typeface="+mn-cs"/>
+              </a:rPr>
+              <a:t>Abb. 3: Beschleunigungssignal - Laufmuster </a:t>
+            </a:r>
+          </a:p>
+        </p:txBody>
+      </p:sp>
+    </p:spTree>
+    <p:custDataLst>
+      <p:tags r:id="rId1"/>
+    </p:custDataLst>
+    <p:extLst>
+      <p:ext uri="{BB962C8B-B14F-4D97-AF65-F5344CB8AC3E}">
+        <p14:creationId xmlns:p14="http://schemas.microsoft.com/office/powerpoint/2010/main" val="3879799702"/>
+      </p:ext>
+    </p:extLst>
+  </p:cSld>
+  <p:clrMapOvr>
+    <a:masterClrMapping/>
+  </p:clrMapOvr>
+</p:sld>
+</file>
+
+<file path=ppt/slides/slide11.xml><?xml version="1.0" encoding="utf-8"?>
+<p:sld xmlns:a="http://schemas.openxmlformats.org/drawingml/2006/main" xmlns:r="http://schemas.openxmlformats.org/officeDocument/2006/relationships" xmlns:p="http://schemas.openxmlformats.org/presentationml/2006/main">
+  <p:cSld>
+    <p:spTree>
+      <p:nvGrpSpPr>
+        <p:cNvPr id="1" name=""/>
+        <p:cNvGrpSpPr/>
+        <p:nvPr/>
+      </p:nvGrpSpPr>
+      <p:grpSpPr>
+        <a:xfrm>
+          <a:off x="0" y="0"/>
+          <a:ext cx="0" cy="0"/>
+          <a:chOff x="0" y="0"/>
+          <a:chExt cx="0" cy="0"/>
+        </a:xfrm>
+      </p:grpSpPr>
+      <p:sp>
+        <p:nvSpPr>
+          <p:cNvPr id="3" name="chapter_conv">
+            <a:extLst>
+              <a:ext uri="{FF2B5EF4-FFF2-40B4-BE49-F238E27FC236}">
+                <a16:creationId xmlns:a16="http://schemas.microsoft.com/office/drawing/2014/main" id="{276DAAC4-76CA-432B-999A-928D698F8D26}"/>
+              </a:ext>
+            </a:extLst>
+          </p:cNvPr>
+          <p:cNvSpPr>
+            <a:spLocks noGrp="1"/>
+          </p:cNvSpPr>
+          <p:nvPr>
+            <p:ph type="body" sz="quarter" idx="15"/>
+          </p:nvPr>
+        </p:nvSpPr>
+        <p:spPr/>
+        <p:txBody>
+          <a:bodyPr vert="horz" lIns="0" tIns="0" rIns="0" bIns="0" rtlCol="0">
+            <a:noAutofit/>
+          </a:bodyPr>
+          <a:lstStyle/>
+          <a:p>
+            <a:r>
+              <a:rPr lang="de-DE"/>
+              <a:t>Masterthesis</a:t>
+            </a:r>
+          </a:p>
+        </p:txBody>
+      </p:sp>
+      <p:sp>
+        <p:nvSpPr>
+          <p:cNvPr id="2" name="Titel 1">
+            <a:extLst>
+              <a:ext uri="{FF2B5EF4-FFF2-40B4-BE49-F238E27FC236}">
+                <a16:creationId xmlns:a16="http://schemas.microsoft.com/office/drawing/2014/main" id="{4520F071-DC7C-429D-8423-D81D3132CF75}"/>
+              </a:ext>
+            </a:extLst>
+          </p:cNvPr>
+          <p:cNvSpPr>
+            <a:spLocks noGrp="1"/>
+          </p:cNvSpPr>
+          <p:nvPr>
+            <p:ph type="title"/>
+          </p:nvPr>
+        </p:nvSpPr>
+        <p:spPr/>
+        <p:txBody>
+          <a:bodyPr lIns="0" tIns="0" rIns="0" bIns="0"/>
+          <a:lstStyle/>
+          <a:p>
+            <a:r>
+              <a:rPr lang="de-DE" dirty="0"/>
+              <a:t>Lauferkennung</a:t>
+            </a:r>
+          </a:p>
+        </p:txBody>
+      </p:sp>
+      <mc:AlternateContent xmlns:mc="http://schemas.openxmlformats.org/markup-compatibility/2006">
+        <mc:Choice xmlns:a14="http://schemas.microsoft.com/office/drawing/2010/main" Requires="a14">
           <p:sp>
             <p:nvSpPr>
               <p:cNvPr id="5" name="Inhaltsplatzhalter 4">
@@ -8769,7 +9123,7 @@
                       <a:srgbClr val="000000"/>
                     </a:solidFill>
                   </a:rPr>
-                  <a:t> </a:t>
+                  <a:t>; </a:t>
                 </a:r>
                 <a14:m>
                   <m:oMath xmlns:m="http://schemas.openxmlformats.org/officeDocument/2006/math">
@@ -8797,13 +9151,13 @@
                       </m:e>
                       <m:sub>
                         <m:r>
-                          <a:rPr lang="de-DE" i="1">
+                          <a:rPr lang="de-DE" b="0" i="1" smtClean="0">
                             <a:solidFill>
                               <a:srgbClr val="000000"/>
                             </a:solidFill>
                             <a:latin typeface="Cambria Math" panose="02040503050406030204" pitchFamily="18" charset="0"/>
                           </a:rPr>
-                          <m:t>𝐿𝑎𝑢𝑓𝑒𝑛</m:t>
+                          <m:t>𝐹𝑎h𝑟𝑒𝑛</m:t>
                         </m:r>
                       </m:sub>
                     </m:sSub>
@@ -9006,7 +9360,7 @@
             </p:txBody>
           </p:sp>
         </mc:Choice>
-        <mc:Fallback xmlns="">
+        <mc:Fallback>
           <p:sp>
             <p:nvSpPr>
               <p:cNvPr id="5" name="Inhaltsplatzhalter 4">
@@ -9070,7 +9424,7 @@
             <a:fld id="{4898AEC0-503E-4FA4-859C-D0F72D6E3F79}" type="slidenum">
               <a:rPr lang="en-US" noProof="1" smtClean="0"/>
               <a:pPr/>
-              <a:t>10</a:t>
+              <a:t>11</a:t>
             </a:fld>
             <a:endParaRPr lang="en-US" noProof="1"/>
           </a:p>
@@ -9168,6 +9522,74 @@
           </a:prstGeom>
         </p:spPr>
       </p:pic>
+      <p:sp>
+        <p:nvSpPr>
+          <p:cNvPr id="7" name="Textfeld 6">
+            <a:extLst>
+              <a:ext uri="{FF2B5EF4-FFF2-40B4-BE49-F238E27FC236}">
+                <a16:creationId xmlns:a16="http://schemas.microsoft.com/office/drawing/2014/main" id="{13C4AEC9-6593-4041-B612-618B56781F10}"/>
+              </a:ext>
+            </a:extLst>
+          </p:cNvPr>
+          <p:cNvSpPr txBox="1"/>
+          <p:nvPr/>
+        </p:nvSpPr>
+        <p:spPr>
+          <a:xfrm>
+            <a:off x="6156464" y="4510572"/>
+            <a:ext cx="4855154" cy="246221"/>
+          </a:xfrm>
+          <a:prstGeom prst="rect">
+            <a:avLst/>
+          </a:prstGeom>
+          <a:noFill/>
+        </p:spPr>
+        <p:txBody>
+          <a:bodyPr wrap="square">
+            <a:spAutoFit/>
+          </a:bodyPr>
+          <a:lstStyle/>
+          <a:p>
+            <a:pPr marL="0" marR="0" lvl="0" indent="0" algn="l" defTabSz="914400" rtl="0" eaLnBrk="1" fontAlgn="auto" latinLnBrk="0" hangingPunct="1">
+              <a:lnSpc>
+                <a:spcPct val="100000"/>
+              </a:lnSpc>
+              <a:spcBef>
+                <a:spcPts val="500"/>
+              </a:spcBef>
+              <a:spcAft>
+                <a:spcPts val="0"/>
+              </a:spcAft>
+              <a:buClrTx/>
+              <a:buSzTx/>
+              <a:buFontTx/>
+              <a:buNone/>
+              <a:tabLst/>
+              <a:defRPr/>
+            </a:pPr>
+            <a:r>
+              <a:rPr kumimoji="0" lang="de-DE" sz="1000" b="0" i="1" u="none" strike="noStrike" kern="0" cap="none" spc="0" normalizeH="0" baseline="0" noProof="0" dirty="0">
+                <a:ln>
+                  <a:noFill/>
+                </a:ln>
+                <a:solidFill>
+                  <a:prstClr val="black">
+                    <a:lumMod val="50000"/>
+                    <a:lumOff val="50000"/>
+                  </a:prstClr>
+                </a:solidFill>
+                <a:effectLst/>
+                <a:uLnTx/>
+                <a:uFillTx/>
+                <a:latin typeface="Bosch Office Sans" pitchFamily="34" charset="0"/>
+                <a:ea typeface="+mn-ea"/>
+                <a:cs typeface="+mn-cs"/>
+              </a:rPr>
+              <a:t>Abb. 4: FFT-Beispiel</a:t>
+            </a:r>
+          </a:p>
+        </p:txBody>
+      </p:sp>
     </p:spTree>
     <p:custDataLst>
       <p:tags r:id="rId1"/>
@@ -9184,7 +9606,7 @@
 </p:sld>
 </file>
 
-<file path=ppt/slides/slide11.xml><?xml version="1.0" encoding="utf-8"?>
+<file path=ppt/slides/slide12.xml><?xml version="1.0" encoding="utf-8"?>
 <p:sld xmlns:a="http://schemas.openxmlformats.org/drawingml/2006/main" xmlns:r="http://schemas.openxmlformats.org/officeDocument/2006/relationships" xmlns:p="http://schemas.openxmlformats.org/presentationml/2006/main">
   <p:cSld>
     <p:spTree>
@@ -9328,7 +9750,7 @@
             <a:fld id="{4898AEC0-503E-4FA4-859C-D0F72D6E3F79}" type="slidenum">
               <a:rPr lang="en-US" noProof="1" smtClean="0"/>
               <a:pPr/>
-              <a:t>11</a:t>
+              <a:t>12</a:t>
             </a:fld>
             <a:endParaRPr lang="en-US" noProof="1"/>
           </a:p>
@@ -10614,7 +11036,7 @@
 </p:sld>
 </file>
 
-<file path=ppt/slides/slide12.xml><?xml version="1.0" encoding="utf-8"?>
+<file path=ppt/slides/slide13.xml><?xml version="1.0" encoding="utf-8"?>
 <p:sld xmlns:a="http://schemas.openxmlformats.org/drawingml/2006/main" xmlns:r="http://schemas.openxmlformats.org/officeDocument/2006/relationships" xmlns:p="http://schemas.openxmlformats.org/presentationml/2006/main">
   <p:cSld>
     <p:spTree>
@@ -10633,6 +11055,36 @@
       </p:grpSpPr>
       <p:sp>
         <p:nvSpPr>
+          <p:cNvPr id="3" name="chapter_conv">
+            <a:extLst>
+              <a:ext uri="{FF2B5EF4-FFF2-40B4-BE49-F238E27FC236}">
+                <a16:creationId xmlns:a16="http://schemas.microsoft.com/office/drawing/2014/main" id="{276DAAC4-76CA-432B-999A-928D698F8D26}"/>
+              </a:ext>
+            </a:extLst>
+          </p:cNvPr>
+          <p:cNvSpPr>
+            <a:spLocks noGrp="1"/>
+          </p:cNvSpPr>
+          <p:nvPr>
+            <p:ph type="body" sz="quarter" idx="15"/>
+          </p:nvPr>
+        </p:nvSpPr>
+        <p:spPr/>
+        <p:txBody>
+          <a:bodyPr vert="horz" lIns="0" tIns="0" rIns="0" bIns="0" rtlCol="0">
+            <a:noAutofit/>
+          </a:bodyPr>
+          <a:lstStyle/>
+          <a:p>
+            <a:r>
+              <a:rPr lang="de-DE"/>
+              <a:t>Masterthesis</a:t>
+            </a:r>
+          </a:p>
+        </p:txBody>
+      </p:sp>
+      <p:sp>
+        <p:nvSpPr>
           <p:cNvPr id="2" name="Titel 1">
             <a:extLst>
               <a:ext uri="{FF2B5EF4-FFF2-40B4-BE49-F238E27FC236}">
@@ -10647,12 +11099,7 @@
             <p:ph type="title"/>
           </p:nvPr>
         </p:nvSpPr>
-        <p:spPr>
-          <a:xfrm>
-            <a:off x="205199" y="648000"/>
-            <a:ext cx="10558800" cy="388800"/>
-          </a:xfrm>
-        </p:spPr>
+        <p:spPr/>
         <p:txBody>
           <a:bodyPr lIns="0" tIns="0" rIns="0" bIns="0"/>
           <a:lstStyle/>
@@ -10660,41 +11107,6 @@
             <a:r>
               <a:rPr lang="de-DE" dirty="0"/>
               <a:t>Verifikationsversuche</a:t>
-            </a:r>
-          </a:p>
-        </p:txBody>
-      </p:sp>
-      <p:sp>
-        <p:nvSpPr>
-          <p:cNvPr id="3" name="chapter_conv">
-            <a:extLst>
-              <a:ext uri="{FF2B5EF4-FFF2-40B4-BE49-F238E27FC236}">
-                <a16:creationId xmlns:a16="http://schemas.microsoft.com/office/drawing/2014/main" id="{276DAAC4-76CA-432B-999A-928D698F8D26}"/>
-              </a:ext>
-            </a:extLst>
-          </p:cNvPr>
-          <p:cNvSpPr>
-            <a:spLocks noGrp="1"/>
-          </p:cNvSpPr>
-          <p:nvPr>
-            <p:ph type="body" sz="quarter" idx="15"/>
-          </p:nvPr>
-        </p:nvSpPr>
-        <p:spPr>
-          <a:xfrm>
-            <a:off x="205199" y="259200"/>
-            <a:ext cx="10558800" cy="388800"/>
-          </a:xfrm>
-        </p:spPr>
-        <p:txBody>
-          <a:bodyPr vert="horz" lIns="0" tIns="0" rIns="0" bIns="0" rtlCol="0">
-            <a:noAutofit/>
-          </a:bodyPr>
-          <a:lstStyle/>
-          <a:p>
-            <a:r>
-              <a:rPr lang="de-DE"/>
-              <a:t>Masterthesis</a:t>
             </a:r>
           </a:p>
         </p:txBody>
@@ -10712,15 +11124,10 @@
             <a:spLocks noGrp="1"/>
           </p:cNvSpPr>
           <p:nvPr>
-            <p:ph sz="quarter" idx="1"/>
+            <p:ph sz="half" idx="1"/>
           </p:nvPr>
         </p:nvSpPr>
-        <p:spPr>
-          <a:xfrm>
-            <a:off x="205232" y="1296000"/>
-            <a:ext cx="10450799" cy="4168801"/>
-          </a:xfrm>
-        </p:spPr>
+        <p:spPr/>
         <p:txBody>
           <a:bodyPr lIns="0" tIns="0" rIns="0" bIns="0"/>
           <a:lstStyle/>
@@ -10795,6 +11202,40 @@
           </a:p>
         </p:txBody>
       </p:sp>
+      <p:pic>
+        <p:nvPicPr>
+          <p:cNvPr id="8" name="Inhaltsplatzhalter 7">
+            <a:extLst>
+              <a:ext uri="{FF2B5EF4-FFF2-40B4-BE49-F238E27FC236}">
+                <a16:creationId xmlns:a16="http://schemas.microsoft.com/office/drawing/2014/main" id="{E8D0A5EA-F2B1-4A06-9258-1A2970FD29A0}"/>
+              </a:ext>
+            </a:extLst>
+          </p:cNvPr>
+          <p:cNvPicPr>
+            <a:picLocks noGrp="1" noChangeAspect="1"/>
+          </p:cNvPicPr>
+          <p:nvPr>
+            <p:ph sz="half" idx="2"/>
+          </p:nvPr>
+        </p:nvPicPr>
+        <p:blipFill>
+          <a:blip r:embed="rId3"/>
+          <a:stretch>
+            <a:fillRect/>
+          </a:stretch>
+        </p:blipFill>
+        <p:spPr>
+          <a:xfrm>
+            <a:off x="6418386" y="789780"/>
+            <a:ext cx="3990726" cy="4591051"/>
+          </a:xfrm>
+          <a:ln>
+            <a:solidFill>
+              <a:schemeClr val="accent1"/>
+            </a:solidFill>
+          </a:ln>
+        </p:spPr>
+      </p:pic>
       <p:sp>
         <p:nvSpPr>
           <p:cNvPr id="4" name="Foliennummernplatzhalter 3">
@@ -10819,9 +11260,117 @@
             <a:fld id="{4898AEC0-503E-4FA4-859C-D0F72D6E3F79}" type="slidenum">
               <a:rPr lang="en-US" noProof="1" smtClean="0"/>
               <a:pPr/>
-              <a:t>12</a:t>
+              <a:t>13</a:t>
             </a:fld>
             <a:endParaRPr lang="en-US" noProof="1"/>
+          </a:p>
+        </p:txBody>
+      </p:sp>
+      <p:sp>
+        <p:nvSpPr>
+          <p:cNvPr id="9" name="Textfeld 8">
+            <a:extLst>
+              <a:ext uri="{FF2B5EF4-FFF2-40B4-BE49-F238E27FC236}">
+                <a16:creationId xmlns:a16="http://schemas.microsoft.com/office/drawing/2014/main" id="{236B9674-53BE-42E7-82C4-39C015968088}"/>
+              </a:ext>
+            </a:extLst>
+          </p:cNvPr>
+          <p:cNvSpPr txBox="1"/>
+          <p:nvPr/>
+        </p:nvSpPr>
+        <p:spPr>
+          <a:xfrm>
+            <a:off x="6418386" y="5380831"/>
+            <a:ext cx="4855154" cy="246221"/>
+          </a:xfrm>
+          <a:prstGeom prst="rect">
+            <a:avLst/>
+          </a:prstGeom>
+          <a:noFill/>
+        </p:spPr>
+        <p:txBody>
+          <a:bodyPr wrap="square">
+            <a:spAutoFit/>
+          </a:bodyPr>
+          <a:lstStyle/>
+          <a:p>
+            <a:pPr marL="0" marR="0" lvl="0" indent="0" algn="l" defTabSz="914400" rtl="0" eaLnBrk="1" fontAlgn="auto" latinLnBrk="0" hangingPunct="1">
+              <a:lnSpc>
+                <a:spcPct val="100000"/>
+              </a:lnSpc>
+              <a:spcBef>
+                <a:spcPts val="500"/>
+              </a:spcBef>
+              <a:spcAft>
+                <a:spcPts val="0"/>
+              </a:spcAft>
+              <a:buClrTx/>
+              <a:buSzTx/>
+              <a:buFontTx/>
+              <a:buNone/>
+              <a:tabLst/>
+              <a:defRPr/>
+            </a:pPr>
+            <a:r>
+              <a:rPr kumimoji="0" lang="de-DE" sz="1000" b="0" i="1" u="none" strike="noStrike" kern="0" cap="none" spc="0" normalizeH="0" baseline="0" noProof="0" dirty="0">
+                <a:ln>
+                  <a:noFill/>
+                </a:ln>
+                <a:solidFill>
+                  <a:prstClr val="black">
+                    <a:lumMod val="50000"/>
+                    <a:lumOff val="50000"/>
+                  </a:prstClr>
+                </a:solidFill>
+                <a:effectLst/>
+                <a:uLnTx/>
+                <a:uFillTx/>
+                <a:latin typeface="Bosch Office Sans" pitchFamily="34" charset="0"/>
+                <a:ea typeface="+mn-ea"/>
+                <a:cs typeface="+mn-cs"/>
+              </a:rPr>
+              <a:t>Abb. 5: Exportdatei des Tools ‚</a:t>
+            </a:r>
+            <a:r>
+              <a:rPr kumimoji="0" lang="de-DE" sz="1000" b="0" i="1" u="none" strike="noStrike" kern="0" cap="none" spc="0" normalizeH="0" baseline="0" noProof="0" dirty="0" err="1">
+                <a:ln>
+                  <a:noFill/>
+                </a:ln>
+                <a:solidFill>
+                  <a:prstClr val="black">
+                    <a:lumMod val="50000"/>
+                    <a:lumOff val="50000"/>
+                  </a:prstClr>
+                </a:solidFill>
+                <a:effectLst/>
+                <a:uLnTx/>
+                <a:uFillTx/>
+                <a:latin typeface="Bosch Office Sans" pitchFamily="34" charset="0"/>
+                <a:ea typeface="+mn-ea"/>
+                <a:cs typeface="+mn-cs"/>
+              </a:rPr>
+              <a:t>DaVilt</a:t>
+            </a:r>
+            <a:r>
+              <a:rPr kumimoji="0" lang="de-DE" sz="1000" b="0" i="1" u="none" strike="noStrike" kern="0" cap="none" spc="0" normalizeH="0" baseline="0" noProof="0" dirty="0">
+                <a:ln>
+                  <a:noFill/>
+                </a:ln>
+                <a:solidFill>
+                  <a:prstClr val="black">
+                    <a:lumMod val="50000"/>
+                    <a:lumOff val="50000"/>
+                  </a:prstClr>
+                </a:solidFill>
+                <a:effectLst/>
+                <a:uLnTx/>
+                <a:uFillTx/>
+                <a:latin typeface="Bosch Office Sans" pitchFamily="34" charset="0"/>
+                <a:ea typeface="+mn-ea"/>
+                <a:cs typeface="+mn-cs"/>
+              </a:rPr>
+              <a:t>‘</a:t>
+            </a:r>
           </a:p>
         </p:txBody>
       </p:sp>
@@ -10832,164 +11381,6 @@
     <p:extLst>
       <p:ext uri="{BB962C8B-B14F-4D97-AF65-F5344CB8AC3E}">
         <p14:creationId xmlns:p14="http://schemas.microsoft.com/office/powerpoint/2010/main" val="1163708875"/>
-      </p:ext>
-    </p:extLst>
-  </p:cSld>
-  <p:clrMapOvr>
-    <a:masterClrMapping/>
-  </p:clrMapOvr>
-</p:sld>
-</file>
-
-<file path=ppt/slides/slide13.xml><?xml version="1.0" encoding="utf-8"?>
-<p:sld xmlns:a="http://schemas.openxmlformats.org/drawingml/2006/main" xmlns:r="http://schemas.openxmlformats.org/officeDocument/2006/relationships" xmlns:p="http://schemas.openxmlformats.org/presentationml/2006/main">
-  <p:cSld>
-    <p:spTree>
-      <p:nvGrpSpPr>
-        <p:cNvPr id="1" name=""/>
-        <p:cNvGrpSpPr/>
-        <p:nvPr/>
-      </p:nvGrpSpPr>
-      <p:grpSpPr>
-        <a:xfrm>
-          <a:off x="0" y="0"/>
-          <a:ext cx="0" cy="0"/>
-          <a:chOff x="0" y="0"/>
-          <a:chExt cx="0" cy="0"/>
-        </a:xfrm>
-      </p:grpSpPr>
-      <p:sp>
-        <p:nvSpPr>
-          <p:cNvPr id="2" name="Titel 1">
-            <a:extLst>
-              <a:ext uri="{FF2B5EF4-FFF2-40B4-BE49-F238E27FC236}">
-                <a16:creationId xmlns:a16="http://schemas.microsoft.com/office/drawing/2014/main" id="{4520F071-DC7C-429D-8423-D81D3132CF75}"/>
-              </a:ext>
-            </a:extLst>
-          </p:cNvPr>
-          <p:cNvSpPr>
-            <a:spLocks noGrp="1"/>
-          </p:cNvSpPr>
-          <p:nvPr>
-            <p:ph type="title"/>
-          </p:nvPr>
-        </p:nvSpPr>
-        <p:spPr>
-          <a:xfrm>
-            <a:off x="205199" y="648000"/>
-            <a:ext cx="10558800" cy="388800"/>
-          </a:xfrm>
-        </p:spPr>
-        <p:txBody>
-          <a:bodyPr lIns="0" tIns="0" rIns="0" bIns="0"/>
-          <a:lstStyle/>
-          <a:p>
-            <a:endParaRPr lang="de-DE" dirty="0"/>
-          </a:p>
-        </p:txBody>
-      </p:sp>
-      <p:sp>
-        <p:nvSpPr>
-          <p:cNvPr id="3" name="chapter_conv">
-            <a:extLst>
-              <a:ext uri="{FF2B5EF4-FFF2-40B4-BE49-F238E27FC236}">
-                <a16:creationId xmlns:a16="http://schemas.microsoft.com/office/drawing/2014/main" id="{276DAAC4-76CA-432B-999A-928D698F8D26}"/>
-              </a:ext>
-            </a:extLst>
-          </p:cNvPr>
-          <p:cNvSpPr>
-            <a:spLocks noGrp="1"/>
-          </p:cNvSpPr>
-          <p:nvPr>
-            <p:ph type="body" sz="quarter" idx="15"/>
-          </p:nvPr>
-        </p:nvSpPr>
-        <p:spPr>
-          <a:xfrm>
-            <a:off x="205199" y="259200"/>
-            <a:ext cx="10558800" cy="388800"/>
-          </a:xfrm>
-        </p:spPr>
-        <p:txBody>
-          <a:bodyPr vert="horz" lIns="0" tIns="0" rIns="0" bIns="0" rtlCol="0">
-            <a:noAutofit/>
-          </a:bodyPr>
-          <a:lstStyle/>
-          <a:p>
-            <a:r>
-              <a:rPr lang="de-DE"/>
-              <a:t>Masterthesis</a:t>
-            </a:r>
-          </a:p>
-        </p:txBody>
-      </p:sp>
-      <p:sp>
-        <p:nvSpPr>
-          <p:cNvPr id="5" name="Inhaltsplatzhalter 4">
-            <a:extLst>
-              <a:ext uri="{FF2B5EF4-FFF2-40B4-BE49-F238E27FC236}">
-                <a16:creationId xmlns:a16="http://schemas.microsoft.com/office/drawing/2014/main" id="{34BB2F14-FF7A-4B8F-8A2A-A5FE5E9898C8}"/>
-              </a:ext>
-            </a:extLst>
-          </p:cNvPr>
-          <p:cNvSpPr>
-            <a:spLocks noGrp="1"/>
-          </p:cNvSpPr>
-          <p:nvPr>
-            <p:ph sz="quarter" idx="1"/>
-          </p:nvPr>
-        </p:nvSpPr>
-        <p:spPr>
-          <a:xfrm>
-            <a:off x="205232" y="1296000"/>
-            <a:ext cx="10450799" cy="4168801"/>
-          </a:xfrm>
-        </p:spPr>
-        <p:txBody>
-          <a:bodyPr lIns="0" tIns="0" rIns="0" bIns="0"/>
-          <a:lstStyle/>
-          <a:p>
-            <a:endParaRPr lang="de-DE" dirty="0"/>
-          </a:p>
-        </p:txBody>
-      </p:sp>
-      <p:sp>
-        <p:nvSpPr>
-          <p:cNvPr id="4" name="Foliennummernplatzhalter 3">
-            <a:extLst>
-              <a:ext uri="{FF2B5EF4-FFF2-40B4-BE49-F238E27FC236}">
-                <a16:creationId xmlns:a16="http://schemas.microsoft.com/office/drawing/2014/main" id="{9DAC99AC-6353-4E22-AAF7-AA11B8DCF7EA}"/>
-              </a:ext>
-            </a:extLst>
-          </p:cNvPr>
-          <p:cNvSpPr>
-            <a:spLocks noGrp="1"/>
-          </p:cNvSpPr>
-          <p:nvPr>
-            <p:ph type="sldNum" sz="quarter" idx="12"/>
-          </p:nvPr>
-        </p:nvSpPr>
-        <p:spPr/>
-        <p:txBody>
-          <a:bodyPr/>
-          <a:lstStyle/>
-          <a:p>
-            <a:fld id="{4898AEC0-503E-4FA4-859C-D0F72D6E3F79}" type="slidenum">
-              <a:rPr lang="en-US" noProof="1" smtClean="0"/>
-              <a:pPr/>
-              <a:t>13</a:t>
-            </a:fld>
-            <a:endParaRPr lang="en-US" noProof="1"/>
-          </a:p>
-        </p:txBody>
-      </p:sp>
-    </p:spTree>
-    <p:custDataLst>
-      <p:tags r:id="rId1"/>
-    </p:custDataLst>
-    <p:extLst>
-      <p:ext uri="{BB962C8B-B14F-4D97-AF65-F5344CB8AC3E}">
-        <p14:creationId xmlns:p14="http://schemas.microsoft.com/office/powerpoint/2010/main" val="4265183902"/>
       </p:ext>
     </p:extLst>
   </p:cSld>
@@ -11042,7 +11433,10 @@
           <a:bodyPr lIns="0" tIns="0" rIns="0" bIns="0"/>
           <a:lstStyle/>
           <a:p>
-            <a:endParaRPr lang="de-DE" dirty="0"/>
+            <a:r>
+              <a:rPr lang="de-DE" dirty="0"/>
+              <a:t>Nächste Schritte</a:t>
+            </a:r>
           </a:p>
         </p:txBody>
       </p:sp>
@@ -11107,7 +11501,36 @@
           <a:bodyPr lIns="0" tIns="0" rIns="0" bIns="0"/>
           <a:lstStyle/>
           <a:p>
-            <a:endParaRPr lang="de-DE" dirty="0"/>
+            <a:r>
+              <a:rPr lang="de-DE" dirty="0"/>
+              <a:t>Lauferkennung verbessern:</a:t>
+            </a:r>
+          </a:p>
+          <a:p>
+            <a:pPr lvl="1"/>
+            <a:r>
+              <a:rPr lang="de-DE" dirty="0"/>
+              <a:t>Gyroskope-Daten nutzen</a:t>
+            </a:r>
+          </a:p>
+          <a:p>
+            <a:pPr lvl="1"/>
+            <a:r>
+              <a:rPr lang="de-DE" dirty="0"/>
+              <a:t>Zuverlässigkeit der Geschwindigkeit überprüfen</a:t>
+            </a:r>
+          </a:p>
+          <a:p>
+            <a:r>
+              <a:rPr lang="de-DE" dirty="0"/>
+              <a:t>Auf- und Absteigen näher betrachten</a:t>
+            </a:r>
+          </a:p>
+          <a:p>
+            <a:r>
+              <a:rPr lang="de-DE" dirty="0"/>
+              <a:t>Testversuche durchführen</a:t>
+            </a:r>
           </a:p>
         </p:txBody>
       </p:sp>
@@ -11116,7 +11539,7 @@
           <p:cNvPr id="4" name="Foliennummernplatzhalter 3">
             <a:extLst>
               <a:ext uri="{FF2B5EF4-FFF2-40B4-BE49-F238E27FC236}">
-                <a16:creationId xmlns:a16="http://schemas.microsoft.com/office/drawing/2014/main" id="{5C44E5B0-0781-46A3-ABF5-C1514CEDCCF5}"/>
+                <a16:creationId xmlns:a16="http://schemas.microsoft.com/office/drawing/2014/main" id="{9DAC99AC-6353-4E22-AAF7-AA11B8DCF7EA}"/>
               </a:ext>
             </a:extLst>
           </p:cNvPr>
@@ -11147,7 +11570,7 @@
     </p:custDataLst>
     <p:extLst>
       <p:ext uri="{BB962C8B-B14F-4D97-AF65-F5344CB8AC3E}">
-        <p14:creationId xmlns:p14="http://schemas.microsoft.com/office/powerpoint/2010/main" val="3141088523"/>
+        <p14:creationId xmlns:p14="http://schemas.microsoft.com/office/powerpoint/2010/main" val="4265183902"/>
       </p:ext>
     </p:extLst>
   </p:cSld>
@@ -11176,105 +11599,10 @@
       </p:grpSpPr>
       <p:sp>
         <p:nvSpPr>
-          <p:cNvPr id="2" name="Titel 1">
+          <p:cNvPr id="2" name="Foliennummernplatzhalter 1">
             <a:extLst>
               <a:ext uri="{FF2B5EF4-FFF2-40B4-BE49-F238E27FC236}">
-                <a16:creationId xmlns:a16="http://schemas.microsoft.com/office/drawing/2014/main" id="{4520F071-DC7C-429D-8423-D81D3132CF75}"/>
-              </a:ext>
-            </a:extLst>
-          </p:cNvPr>
-          <p:cNvSpPr>
-            <a:spLocks noGrp="1"/>
-          </p:cNvSpPr>
-          <p:nvPr>
-            <p:ph type="title"/>
-          </p:nvPr>
-        </p:nvSpPr>
-        <p:spPr>
-          <a:xfrm>
-            <a:off x="205199" y="648000"/>
-            <a:ext cx="10558800" cy="388800"/>
-          </a:xfrm>
-        </p:spPr>
-        <p:txBody>
-          <a:bodyPr lIns="0" tIns="0" rIns="0" bIns="0"/>
-          <a:lstStyle/>
-          <a:p>
-            <a:endParaRPr lang="de-DE" dirty="0"/>
-          </a:p>
-        </p:txBody>
-      </p:sp>
-      <p:sp>
-        <p:nvSpPr>
-          <p:cNvPr id="3" name="chapter_conv">
-            <a:extLst>
-              <a:ext uri="{FF2B5EF4-FFF2-40B4-BE49-F238E27FC236}">
-                <a16:creationId xmlns:a16="http://schemas.microsoft.com/office/drawing/2014/main" id="{276DAAC4-76CA-432B-999A-928D698F8D26}"/>
-              </a:ext>
-            </a:extLst>
-          </p:cNvPr>
-          <p:cNvSpPr>
-            <a:spLocks noGrp="1"/>
-          </p:cNvSpPr>
-          <p:nvPr>
-            <p:ph type="body" sz="quarter" idx="15"/>
-          </p:nvPr>
-        </p:nvSpPr>
-        <p:spPr>
-          <a:xfrm>
-            <a:off x="205199" y="259200"/>
-            <a:ext cx="10558800" cy="388800"/>
-          </a:xfrm>
-        </p:spPr>
-        <p:txBody>
-          <a:bodyPr vert="horz" lIns="0" tIns="0" rIns="0" bIns="0" rtlCol="0">
-            <a:noAutofit/>
-          </a:bodyPr>
-          <a:lstStyle/>
-          <a:p>
-            <a:r>
-              <a:rPr lang="de-DE"/>
-              <a:t>Masterthesis</a:t>
-            </a:r>
-          </a:p>
-        </p:txBody>
-      </p:sp>
-      <p:sp>
-        <p:nvSpPr>
-          <p:cNvPr id="5" name="Inhaltsplatzhalter 4">
-            <a:extLst>
-              <a:ext uri="{FF2B5EF4-FFF2-40B4-BE49-F238E27FC236}">
-                <a16:creationId xmlns:a16="http://schemas.microsoft.com/office/drawing/2014/main" id="{34BB2F14-FF7A-4B8F-8A2A-A5FE5E9898C8}"/>
-              </a:ext>
-            </a:extLst>
-          </p:cNvPr>
-          <p:cNvSpPr>
-            <a:spLocks noGrp="1"/>
-          </p:cNvSpPr>
-          <p:nvPr>
-            <p:ph sz="quarter" idx="1"/>
-          </p:nvPr>
-        </p:nvSpPr>
-        <p:spPr>
-          <a:xfrm>
-            <a:off x="205232" y="1296000"/>
-            <a:ext cx="10450799" cy="4168801"/>
-          </a:xfrm>
-        </p:spPr>
-        <p:txBody>
-          <a:bodyPr lIns="0" tIns="0" rIns="0" bIns="0"/>
-          <a:lstStyle/>
-          <a:p>
-            <a:endParaRPr lang="de-DE" dirty="0"/>
-          </a:p>
-        </p:txBody>
-      </p:sp>
-      <p:sp>
-        <p:nvSpPr>
-          <p:cNvPr id="4" name="Foliennummernplatzhalter 3">
-            <a:extLst>
-              <a:ext uri="{FF2B5EF4-FFF2-40B4-BE49-F238E27FC236}">
-                <a16:creationId xmlns:a16="http://schemas.microsoft.com/office/drawing/2014/main" id="{FD49A0CA-9C02-4918-BDF8-5C271051E94B}"/>
+                <a16:creationId xmlns:a16="http://schemas.microsoft.com/office/drawing/2014/main" id="{E3E3133C-2382-4505-B064-2954525BB7EA}"/>
               </a:ext>
             </a:extLst>
           </p:cNvPr>
@@ -11299,13 +11627,47 @@
           </a:p>
         </p:txBody>
       </p:sp>
+      <p:sp>
+        <p:nvSpPr>
+          <p:cNvPr id="6" name="Textfeld 5">
+            <a:extLst>
+              <a:ext uri="{FF2B5EF4-FFF2-40B4-BE49-F238E27FC236}">
+                <a16:creationId xmlns:a16="http://schemas.microsoft.com/office/drawing/2014/main" id="{CCC315D0-048C-4A2A-8087-6CAA40C0E24D}"/>
+              </a:ext>
+            </a:extLst>
+          </p:cNvPr>
+          <p:cNvSpPr txBox="1"/>
+          <p:nvPr/>
+        </p:nvSpPr>
+        <p:spPr>
+          <a:xfrm>
+            <a:off x="3560700" y="2654419"/>
+            <a:ext cx="3848223" cy="861774"/>
+          </a:xfrm>
+          <a:prstGeom prst="rect">
+            <a:avLst/>
+          </a:prstGeom>
+          <a:noFill/>
+        </p:spPr>
+        <p:txBody>
+          <a:bodyPr wrap="square">
+            <a:spAutoFit/>
+          </a:bodyPr>
+          <a:lstStyle/>
+          <a:p>
+            <a:r>
+              <a:rPr lang="de-DE" sz="5000" b="1" dirty="0">
+                <a:latin typeface="+mj-lt"/>
+              </a:rPr>
+              <a:t>Vielen Dank</a:t>
+            </a:r>
+          </a:p>
+        </p:txBody>
+      </p:sp>
     </p:spTree>
-    <p:custDataLst>
-      <p:tags r:id="rId1"/>
-    </p:custDataLst>
     <p:extLst>
       <p:ext uri="{BB962C8B-B14F-4D97-AF65-F5344CB8AC3E}">
-        <p14:creationId xmlns:p14="http://schemas.microsoft.com/office/powerpoint/2010/main" val="2155818319"/>
+        <p14:creationId xmlns:p14="http://schemas.microsoft.com/office/powerpoint/2010/main" val="23544368"/>
       </p:ext>
     </p:extLst>
   </p:cSld>
@@ -11337,7 +11699,7 @@
           <p:cNvPr id="2" name="Titel 1">
             <a:extLst>
               <a:ext uri="{FF2B5EF4-FFF2-40B4-BE49-F238E27FC236}">
-                <a16:creationId xmlns:a16="http://schemas.microsoft.com/office/drawing/2014/main" id="{99AF2803-711D-4E3F-ABF2-081C31650B15}"/>
+                <a16:creationId xmlns:a16="http://schemas.microsoft.com/office/drawing/2014/main" id="{EAD82EB9-F888-4EF5-9BD3-4FB532D116CB}"/>
               </a:ext>
             </a:extLst>
           </p:cNvPr>
@@ -11350,13 +11712,22 @@
         </p:nvSpPr>
         <p:spPr/>
         <p:txBody>
-          <a:bodyPr/>
+          <a:bodyPr>
+            <a:normAutofit fontScale="90000"/>
+          </a:bodyPr>
           <a:lstStyle/>
           <a:p>
             <a:r>
               <a:rPr lang="de-DE" dirty="0"/>
-              <a:t>Danke!</a:t>
-            </a:r>
+              <a:t>Zwischenvortrag – Masterarbeit</a:t>
+            </a:r>
+            <a:br>
+              <a:rPr lang="de-DE" dirty="0"/>
+            </a:br>
+            <a:br>
+              <a:rPr lang="de-DE" dirty="0"/>
+            </a:br>
+            <a:endParaRPr lang="de-DE" dirty="0"/>
           </a:p>
         </p:txBody>
       </p:sp>
@@ -11365,7 +11736,7 @@
           <p:cNvPr id="5" name="Textplatzhalter 4">
             <a:extLst>
               <a:ext uri="{FF2B5EF4-FFF2-40B4-BE49-F238E27FC236}">
-                <a16:creationId xmlns:a16="http://schemas.microsoft.com/office/drawing/2014/main" id="{9550E54F-64F5-4E41-AC35-52CC8956B325}"/>
+                <a16:creationId xmlns:a16="http://schemas.microsoft.com/office/drawing/2014/main" id="{E92822E9-942B-4A4F-832F-839D47BE5E00}"/>
               </a:ext>
             </a:extLst>
           </p:cNvPr>
@@ -11392,9 +11763,6 @@
               <a:t>14.10.2022</a:t>
             </a:r>
           </a:p>
-          <a:p>
-            <a:endParaRPr lang="de-DE" dirty="0"/>
-          </a:p>
         </p:txBody>
       </p:sp>
     </p:spTree>
@@ -11403,7 +11771,7 @@
     </p:custDataLst>
     <p:extLst>
       <p:ext uri="{BB962C8B-B14F-4D97-AF65-F5344CB8AC3E}">
-        <p14:creationId xmlns:p14="http://schemas.microsoft.com/office/powerpoint/2010/main" val="3157696594"/>
+        <p14:creationId xmlns:p14="http://schemas.microsoft.com/office/powerpoint/2010/main" val="2508449103"/>
       </p:ext>
     </p:extLst>
   </p:cSld>
@@ -12345,7 +12713,7 @@
                   <a:srgbClr val="000000"/>
                 </a:solidFill>
               </a:rPr>
-              <a:t>Am Lenker befestigen</a:t>
+              <a:t>Für Fahrrad und Motorrad agil entwickelt</a:t>
             </a:r>
           </a:p>
           <a:p>
@@ -12355,7 +12723,17 @@
                   <a:srgbClr val="000000"/>
                 </a:solidFill>
               </a:rPr>
-              <a:t>Aktive einschalten</a:t>
+              <a:t>Handy am Lenker befestigen</a:t>
+            </a:r>
+          </a:p>
+          <a:p>
+            <a:r>
+              <a:rPr lang="de-DE" dirty="0">
+                <a:solidFill>
+                  <a:srgbClr val="000000"/>
+                </a:solidFill>
+              </a:rPr>
+              <a:t>Manuelle Aktivierung der Unfallerkennung</a:t>
             </a:r>
           </a:p>
           <a:p>
@@ -12375,7 +12753,73 @@
                   <a:srgbClr val="000000"/>
                 </a:solidFill>
               </a:rPr>
-              <a:t>Entscheidungsbaum (Tabelle)</a:t>
+              <a:t>3 Hauptkriterien:</a:t>
+            </a:r>
+          </a:p>
+          <a:p>
+            <a:pPr lvl="1"/>
+            <a:r>
+              <a:rPr lang="de-DE" dirty="0" err="1">
+                <a:solidFill>
+                  <a:srgbClr val="000000"/>
+                </a:solidFill>
+              </a:rPr>
+              <a:t>Collision</a:t>
+            </a:r>
+            <a:endParaRPr lang="de-DE" dirty="0">
+              <a:solidFill>
+                <a:srgbClr val="000000"/>
+              </a:solidFill>
+            </a:endParaRPr>
+          </a:p>
+          <a:p>
+            <a:pPr lvl="1"/>
+            <a:r>
+              <a:rPr lang="de-DE" dirty="0" err="1">
+                <a:solidFill>
+                  <a:srgbClr val="000000"/>
+                </a:solidFill>
+              </a:rPr>
+              <a:t>GroundHit</a:t>
+            </a:r>
+            <a:endParaRPr lang="de-DE" dirty="0">
+              <a:solidFill>
+                <a:srgbClr val="000000"/>
+              </a:solidFill>
+            </a:endParaRPr>
+          </a:p>
+          <a:p>
+            <a:pPr lvl="1"/>
+            <a:r>
+              <a:rPr lang="de-DE" dirty="0" err="1">
+                <a:solidFill>
+                  <a:srgbClr val="000000"/>
+                </a:solidFill>
+              </a:rPr>
+              <a:t>TipOver</a:t>
+            </a:r>
+            <a:endParaRPr lang="de-DE" dirty="0">
+              <a:solidFill>
+                <a:srgbClr val="000000"/>
+              </a:solidFill>
+            </a:endParaRPr>
+          </a:p>
+          <a:p>
+            <a:r>
+              <a:rPr lang="de-DE" dirty="0" err="1">
+                <a:solidFill>
+                  <a:srgbClr val="000000"/>
+                </a:solidFill>
+              </a:rPr>
+              <a:t>Calimoto</a:t>
+            </a:r>
+            <a:r>
+              <a:rPr lang="de-DE" dirty="0">
+                <a:solidFill>
+                  <a:srgbClr val="000000"/>
+                </a:solidFill>
+              </a:rPr>
+              <a:t>: Motorrad Routenplaner, Navi &amp; Tracker</a:t>
             </a:r>
           </a:p>
         </p:txBody>
@@ -12448,6 +12892,67 @@
           </a:effectLst>
         </p:spPr>
       </p:pic>
+      <p:sp>
+        <p:nvSpPr>
+          <p:cNvPr id="7" name="Textfeld 6">
+            <a:extLst>
+              <a:ext uri="{FF2B5EF4-FFF2-40B4-BE49-F238E27FC236}">
+                <a16:creationId xmlns:a16="http://schemas.microsoft.com/office/drawing/2014/main" id="{08A39A67-A18D-4D76-9A67-52E6FCFE6240}"/>
+              </a:ext>
+            </a:extLst>
+          </p:cNvPr>
+          <p:cNvSpPr txBox="1"/>
+          <p:nvPr/>
+        </p:nvSpPr>
+        <p:spPr>
+          <a:xfrm>
+            <a:off x="9618784" y="4602319"/>
+            <a:ext cx="780715" cy="292134"/>
+          </a:xfrm>
+          <a:prstGeom prst="rect">
+            <a:avLst/>
+          </a:prstGeom>
+          <a:noFill/>
+        </p:spPr>
+        <p:txBody>
+          <a:bodyPr wrap="square" lIns="0" tIns="0" rIns="0" bIns="0" rtlCol="0">
+            <a:noAutofit/>
+          </a:bodyPr>
+          <a:lstStyle/>
+          <a:p>
+            <a:pPr marR="0" algn="l" defTabSz="914400" eaLnBrk="1" fontAlgn="auto" latinLnBrk="0" hangingPunct="1">
+              <a:spcBef>
+                <a:spcPts val="500"/>
+              </a:spcBef>
+              <a:spcAft>
+                <a:spcPts val="0"/>
+              </a:spcAft>
+              <a:buClrTx/>
+              <a:buSzTx/>
+              <a:buFontTx/>
+              <a:buNone/>
+              <a:tabLst/>
+            </a:pPr>
+            <a:r>
+              <a:rPr kumimoji="0" lang="de-DE" sz="1000" b="0" i="1" u="none" strike="noStrike" kern="0" cap="none" spc="0" normalizeH="0" baseline="0" noProof="0" dirty="0">
+                <a:ln>
+                  <a:noFill/>
+                </a:ln>
+                <a:solidFill>
+                  <a:schemeClr val="tx1">
+                    <a:lumMod val="50000"/>
+                    <a:lumOff val="50000"/>
+                  </a:schemeClr>
+                </a:solidFill>
+                <a:effectLst/>
+                <a:uLnTx/>
+                <a:uFillTx/>
+              </a:rPr>
+              <a:t>Calimoto.com</a:t>
+            </a:r>
+          </a:p>
+        </p:txBody>
+      </p:sp>
     </p:spTree>
     <p:custDataLst>
       <p:tags r:id="rId1"/>
@@ -12497,17 +13002,15 @@
             <p:ph type="title"/>
           </p:nvPr>
         </p:nvSpPr>
-        <p:spPr>
-          <a:xfrm>
-            <a:off x="205199" y="648000"/>
-            <a:ext cx="10558800" cy="388800"/>
-          </a:xfrm>
-        </p:spPr>
+        <p:spPr/>
         <p:txBody>
           <a:bodyPr lIns="0" tIns="0" rIns="0" bIns="0"/>
           <a:lstStyle/>
           <a:p>
-            <a:endParaRPr lang="de-DE" dirty="0"/>
+            <a:r>
+              <a:rPr lang="de-DE" dirty="0"/>
+              <a:t>Unfallerkennungsalgorithmus: Entscheidungsbaum</a:t>
+            </a:r>
           </a:p>
         </p:txBody>
       </p:sp>
@@ -12527,12 +13030,7 @@
             <p:ph type="body" sz="quarter" idx="15"/>
           </p:nvPr>
         </p:nvSpPr>
-        <p:spPr>
-          <a:xfrm>
-            <a:off x="205199" y="259200"/>
-            <a:ext cx="10558800" cy="388800"/>
-          </a:xfrm>
-        </p:spPr>
+        <p:spPr/>
         <p:txBody>
           <a:bodyPr vert="horz" lIns="0" tIns="0" rIns="0" bIns="0" rtlCol="0">
             <a:noAutofit/>
@@ -12541,17 +13039,17 @@
           <a:p>
             <a:r>
               <a:rPr lang="de-DE" dirty="0"/>
-              <a:t>Nutzerumfrage</a:t>
+              <a:t>Einleitung</a:t>
             </a:r>
           </a:p>
         </p:txBody>
       </p:sp>
       <p:pic>
         <p:nvPicPr>
-          <p:cNvPr id="7" name="Inhaltsplatzhalter 9">
+          <p:cNvPr id="11" name="Inhaltsplatzhalter 10">
             <a:extLst>
               <a:ext uri="{FF2B5EF4-FFF2-40B4-BE49-F238E27FC236}">
-                <a16:creationId xmlns:a16="http://schemas.microsoft.com/office/drawing/2014/main" id="{DE6AB4B0-F15D-4091-BC28-7778DEDD58B6}"/>
+                <a16:creationId xmlns:a16="http://schemas.microsoft.com/office/drawing/2014/main" id="{D84AB7F8-9AB8-48F5-BB2C-3E60AC5B9D5E}"/>
               </a:ext>
             </a:extLst>
           </p:cNvPr>
@@ -12563,15 +13061,21 @@
           </p:nvPr>
         </p:nvPicPr>
         <p:blipFill>
-          <a:blip r:embed="rId3"/>
+          <a:blip r:embed="rId3">
+            <a:extLst>
+              <a:ext uri="{28A0092B-C50C-407E-A947-70E740481C1C}">
+                <a14:useLocalDpi xmlns:a14="http://schemas.microsoft.com/office/drawing/2010/main" val="0"/>
+              </a:ext>
+            </a:extLst>
+          </a:blip>
           <a:stretch>
             <a:fillRect/>
           </a:stretch>
         </p:blipFill>
         <p:spPr>
           <a:xfrm>
-            <a:off x="942671" y="1295400"/>
-            <a:ext cx="9082694" cy="4168775"/>
+            <a:off x="3866383" y="1295400"/>
+            <a:ext cx="3235271" cy="4241800"/>
           </a:xfrm>
         </p:spPr>
       </p:pic>
@@ -12580,7 +13084,7 @@
           <p:cNvPr id="2" name="Foliennummernplatzhalter 1">
             <a:extLst>
               <a:ext uri="{FF2B5EF4-FFF2-40B4-BE49-F238E27FC236}">
-                <a16:creationId xmlns:a16="http://schemas.microsoft.com/office/drawing/2014/main" id="{C3DF447A-9809-4680-8CFB-58B99B1061F7}"/>
+                <a16:creationId xmlns:a16="http://schemas.microsoft.com/office/drawing/2014/main" id="{8CC0E9B1-E6D2-41B7-BE36-116C4CE8921E}"/>
               </a:ext>
             </a:extLst>
           </p:cNvPr>
@@ -12611,7 +13115,7 @@
     </p:custDataLst>
     <p:extLst>
       <p:ext uri="{BB962C8B-B14F-4D97-AF65-F5344CB8AC3E}">
-        <p14:creationId xmlns:p14="http://schemas.microsoft.com/office/powerpoint/2010/main" val="495164375"/>
+        <p14:creationId xmlns:p14="http://schemas.microsoft.com/office/powerpoint/2010/main" val="1281315609"/>
       </p:ext>
     </p:extLst>
   </p:cSld>
@@ -12664,10 +13168,7 @@
           <a:bodyPr lIns="0" tIns="0" rIns="0" bIns="0"/>
           <a:lstStyle/>
           <a:p>
-            <a:r>
-              <a:rPr lang="de-DE" dirty="0"/>
-              <a:t>Unfallerkennungsalgorithmus: Pocket-Mode</a:t>
-            </a:r>
+            <a:endParaRPr lang="de-DE" dirty="0"/>
           </a:p>
         </p:txBody>
       </p:sp>
@@ -12708,6 +13209,231 @@
       </p:sp>
       <p:sp>
         <p:nvSpPr>
+          <p:cNvPr id="2" name="Foliennummernplatzhalter 1">
+            <a:extLst>
+              <a:ext uri="{FF2B5EF4-FFF2-40B4-BE49-F238E27FC236}">
+                <a16:creationId xmlns:a16="http://schemas.microsoft.com/office/drawing/2014/main" id="{C3DF447A-9809-4680-8CFB-58B99B1061F7}"/>
+              </a:ext>
+            </a:extLst>
+          </p:cNvPr>
+          <p:cNvSpPr>
+            <a:spLocks noGrp="1"/>
+          </p:cNvSpPr>
+          <p:nvPr>
+            <p:ph type="sldNum" sz="quarter" idx="12"/>
+          </p:nvPr>
+        </p:nvSpPr>
+        <p:spPr/>
+        <p:txBody>
+          <a:bodyPr/>
+          <a:lstStyle/>
+          <a:p>
+            <a:fld id="{4898AEC0-503E-4FA4-859C-D0F72D6E3F79}" type="slidenum">
+              <a:rPr lang="en-US" noProof="1" smtClean="0"/>
+              <a:pPr/>
+              <a:t>6</a:t>
+            </a:fld>
+            <a:endParaRPr lang="en-US" noProof="1"/>
+          </a:p>
+        </p:txBody>
+      </p:sp>
+      <p:pic>
+        <p:nvPicPr>
+          <p:cNvPr id="11" name="Inhaltsplatzhalter 9">
+            <a:extLst>
+              <a:ext uri="{FF2B5EF4-FFF2-40B4-BE49-F238E27FC236}">
+                <a16:creationId xmlns:a16="http://schemas.microsoft.com/office/drawing/2014/main" id="{CD3A6898-BC9E-4E4A-B40B-81FDF6E863D6}"/>
+              </a:ext>
+            </a:extLst>
+          </p:cNvPr>
+          <p:cNvPicPr>
+            <a:picLocks noGrp="1" noChangeAspect="1"/>
+          </p:cNvPicPr>
+          <p:nvPr>
+            <p:ph sz="quarter" idx="1"/>
+          </p:nvPr>
+        </p:nvPicPr>
+        <p:blipFill rotWithShape="1">
+          <a:blip r:embed="rId3"/>
+          <a:srcRect l="54090" t="16513" r="816" b="1820"/>
+          <a:stretch/>
+        </p:blipFill>
+        <p:spPr>
+          <a:xfrm>
+            <a:off x="2932502" y="1295400"/>
+            <a:ext cx="5103034" cy="4241800"/>
+          </a:xfrm>
+          <a:ln>
+            <a:solidFill>
+              <a:schemeClr val="accent1"/>
+            </a:solidFill>
+          </a:ln>
+        </p:spPr>
+      </p:pic>
+      <p:sp>
+        <p:nvSpPr>
+          <p:cNvPr id="12" name="Textfeld 11">
+            <a:extLst>
+              <a:ext uri="{FF2B5EF4-FFF2-40B4-BE49-F238E27FC236}">
+                <a16:creationId xmlns:a16="http://schemas.microsoft.com/office/drawing/2014/main" id="{4487EBB6-5AE7-4AEB-9F2C-11F617B81197}"/>
+              </a:ext>
+            </a:extLst>
+          </p:cNvPr>
+          <p:cNvSpPr txBox="1"/>
+          <p:nvPr/>
+        </p:nvSpPr>
+        <p:spPr>
+          <a:xfrm>
+            <a:off x="6938298" y="5537200"/>
+            <a:ext cx="1097238" cy="292134"/>
+          </a:xfrm>
+          <a:prstGeom prst="rect">
+            <a:avLst/>
+          </a:prstGeom>
+          <a:noFill/>
+        </p:spPr>
+        <p:txBody>
+          <a:bodyPr wrap="square" lIns="0" tIns="0" rIns="0" bIns="0" rtlCol="0">
+            <a:noAutofit/>
+          </a:bodyPr>
+          <a:lstStyle/>
+          <a:p>
+            <a:pPr marR="0" algn="l" defTabSz="914400" eaLnBrk="1" fontAlgn="auto" latinLnBrk="0" hangingPunct="1">
+              <a:spcBef>
+                <a:spcPts val="500"/>
+              </a:spcBef>
+              <a:spcAft>
+                <a:spcPts val="0"/>
+              </a:spcAft>
+              <a:buClrTx/>
+              <a:buSzTx/>
+              <a:buFontTx/>
+              <a:buNone/>
+              <a:tabLst/>
+            </a:pPr>
+            <a:r>
+              <a:rPr kumimoji="0" lang="de-DE" sz="1000" b="0" i="1" u="none" strike="noStrike" kern="0" cap="none" spc="0" normalizeH="0" baseline="0" noProof="0" dirty="0">
+                <a:ln>
+                  <a:noFill/>
+                </a:ln>
+                <a:solidFill>
+                  <a:schemeClr val="tx1">
+                    <a:lumMod val="50000"/>
+                    <a:lumOff val="50000"/>
+                  </a:schemeClr>
+                </a:solidFill>
+                <a:effectLst/>
+                <a:uLnTx/>
+                <a:uFillTx/>
+              </a:rPr>
+              <a:t>Spiegel-Institute.de</a:t>
+            </a:r>
+          </a:p>
+        </p:txBody>
+      </p:sp>
+    </p:spTree>
+    <p:custDataLst>
+      <p:tags r:id="rId1"/>
+    </p:custDataLst>
+    <p:extLst>
+      <p:ext uri="{BB962C8B-B14F-4D97-AF65-F5344CB8AC3E}">
+        <p14:creationId xmlns:p14="http://schemas.microsoft.com/office/powerpoint/2010/main" val="495164375"/>
+      </p:ext>
+    </p:extLst>
+  </p:cSld>
+  <p:clrMapOvr>
+    <a:masterClrMapping/>
+  </p:clrMapOvr>
+</p:sld>
+</file>
+
+<file path=ppt/slides/slide7.xml><?xml version="1.0" encoding="utf-8"?>
+<p:sld xmlns:a="http://schemas.openxmlformats.org/drawingml/2006/main" xmlns:r="http://schemas.openxmlformats.org/officeDocument/2006/relationships" xmlns:p="http://schemas.openxmlformats.org/presentationml/2006/main">
+  <p:cSld>
+    <p:spTree>
+      <p:nvGrpSpPr>
+        <p:cNvPr id="1" name=""/>
+        <p:cNvGrpSpPr/>
+        <p:nvPr/>
+      </p:nvGrpSpPr>
+      <p:grpSpPr>
+        <a:xfrm>
+          <a:off x="0" y="0"/>
+          <a:ext cx="0" cy="0"/>
+          <a:chOff x="0" y="0"/>
+          <a:chExt cx="0" cy="0"/>
+        </a:xfrm>
+      </p:grpSpPr>
+      <p:sp>
+        <p:nvSpPr>
+          <p:cNvPr id="4" name="Titel 3">
+            <a:extLst>
+              <a:ext uri="{FF2B5EF4-FFF2-40B4-BE49-F238E27FC236}">
+                <a16:creationId xmlns:a16="http://schemas.microsoft.com/office/drawing/2014/main" id="{FB596359-3A75-4069-BDB3-A3F3598F1D5E}"/>
+              </a:ext>
+            </a:extLst>
+          </p:cNvPr>
+          <p:cNvSpPr>
+            <a:spLocks noGrp="1"/>
+          </p:cNvSpPr>
+          <p:nvPr>
+            <p:ph type="title"/>
+          </p:nvPr>
+        </p:nvSpPr>
+        <p:spPr>
+          <a:xfrm>
+            <a:off x="205199" y="648000"/>
+            <a:ext cx="10558800" cy="388800"/>
+          </a:xfrm>
+        </p:spPr>
+        <p:txBody>
+          <a:bodyPr lIns="0" tIns="0" rIns="0" bIns="0"/>
+          <a:lstStyle/>
+          <a:p>
+            <a:r>
+              <a:rPr lang="de-DE" dirty="0"/>
+              <a:t>Unfallerkennungsalgorithmus: Pocket-Mode</a:t>
+            </a:r>
+          </a:p>
+        </p:txBody>
+      </p:sp>
+      <p:sp>
+        <p:nvSpPr>
+          <p:cNvPr id="6" name="chapter_conv">
+            <a:extLst>
+              <a:ext uri="{FF2B5EF4-FFF2-40B4-BE49-F238E27FC236}">
+                <a16:creationId xmlns:a16="http://schemas.microsoft.com/office/drawing/2014/main" id="{A1CFF985-F2F8-4B4B-9D84-A29123AE782A}"/>
+              </a:ext>
+            </a:extLst>
+          </p:cNvPr>
+          <p:cNvSpPr>
+            <a:spLocks noGrp="1"/>
+          </p:cNvSpPr>
+          <p:nvPr>
+            <p:ph type="body" sz="quarter" idx="15"/>
+          </p:nvPr>
+        </p:nvSpPr>
+        <p:spPr>
+          <a:xfrm>
+            <a:off x="205199" y="259200"/>
+            <a:ext cx="10558800" cy="388800"/>
+          </a:xfrm>
+        </p:spPr>
+        <p:txBody>
+          <a:bodyPr vert="horz" lIns="0" tIns="0" rIns="0" bIns="0" rtlCol="0">
+            <a:noAutofit/>
+          </a:bodyPr>
+          <a:lstStyle/>
+          <a:p>
+            <a:r>
+              <a:rPr lang="de-DE" dirty="0"/>
+              <a:t>Nutzerumfrage</a:t>
+            </a:r>
+          </a:p>
+        </p:txBody>
+      </p:sp>
+      <p:sp>
+        <p:nvSpPr>
           <p:cNvPr id="5" name="Inhaltsplatzhalter 4">
             <a:extLst>
               <a:ext uri="{FF2B5EF4-FFF2-40B4-BE49-F238E27FC236}">
@@ -12809,7 +13535,7 @@
             <a:fld id="{4898AEC0-503E-4FA4-859C-D0F72D6E3F79}" type="slidenum">
               <a:rPr lang="en-US" noProof="1" smtClean="0"/>
               <a:pPr/>
-              <a:t>6</a:t>
+              <a:t>7</a:t>
             </a:fld>
             <a:endParaRPr lang="en-US" noProof="1"/>
           </a:p>
@@ -12831,7 +13557,7 @@
 </p:sld>
 </file>
 
-<file path=ppt/slides/slide7.xml><?xml version="1.0" encoding="utf-8"?>
+<file path=ppt/slides/slide8.xml><?xml version="1.0" encoding="utf-8"?>
 <p:sld xmlns:a="http://schemas.openxmlformats.org/drawingml/2006/main" xmlns:r="http://schemas.openxmlformats.org/officeDocument/2006/relationships" xmlns:p="http://schemas.openxmlformats.org/presentationml/2006/main">
   <p:cSld>
     <p:spTree>
@@ -17052,7 +17778,7 @@
             <a:fld id="{4898AEC0-503E-4FA4-859C-D0F72D6E3F79}" type="slidenum">
               <a:rPr lang="en-US" noProof="1" smtClean="0"/>
               <a:pPr/>
-              <a:t>7</a:t>
+              <a:t>8</a:t>
             </a:fld>
             <a:endParaRPr lang="en-US" noProof="1"/>
           </a:p>
@@ -17074,7 +17800,7 @@
 </p:sld>
 </file>
 
-<file path=ppt/slides/slide8.xml><?xml version="1.0" encoding="utf-8"?>
+<file path=ppt/slides/slide9.xml><?xml version="1.0" encoding="utf-8"?>
 <p:sld xmlns:a="http://schemas.openxmlformats.org/drawingml/2006/main" xmlns:r="http://schemas.openxmlformats.org/officeDocument/2006/relationships" xmlns:p="http://schemas.openxmlformats.org/presentationml/2006/main">
   <p:cSld>
     <p:spTree>
@@ -17287,9 +18013,77 @@
             <a:fld id="{4898AEC0-503E-4FA4-859C-D0F72D6E3F79}" type="slidenum">
               <a:rPr lang="en-US" noProof="1" smtClean="0"/>
               <a:pPr/>
-              <a:t>8</a:t>
+              <a:t>9</a:t>
             </a:fld>
             <a:endParaRPr lang="en-US" noProof="1"/>
+          </a:p>
+        </p:txBody>
+      </p:sp>
+      <p:sp>
+        <p:nvSpPr>
+          <p:cNvPr id="14" name="Textfeld 13">
+            <a:extLst>
+              <a:ext uri="{FF2B5EF4-FFF2-40B4-BE49-F238E27FC236}">
+                <a16:creationId xmlns:a16="http://schemas.microsoft.com/office/drawing/2014/main" id="{004B19D5-35FB-4A96-BBEF-5F307339202B}"/>
+              </a:ext>
+            </a:extLst>
+          </p:cNvPr>
+          <p:cNvSpPr txBox="1"/>
+          <p:nvPr/>
+        </p:nvSpPr>
+        <p:spPr>
+          <a:xfrm>
+            <a:off x="9123607" y="4467900"/>
+            <a:ext cx="1216147" cy="246221"/>
+          </a:xfrm>
+          <a:prstGeom prst="rect">
+            <a:avLst/>
+          </a:prstGeom>
+          <a:noFill/>
+        </p:spPr>
+        <p:txBody>
+          <a:bodyPr wrap="square">
+            <a:spAutoFit/>
+          </a:bodyPr>
+          <a:lstStyle/>
+          <a:p>
+            <a:pPr marL="0" marR="0" lvl="0" indent="0" algn="l" defTabSz="914400" rtl="0" eaLnBrk="1" fontAlgn="auto" latinLnBrk="0" hangingPunct="1">
+              <a:lnSpc>
+                <a:spcPct val="100000"/>
+              </a:lnSpc>
+              <a:spcBef>
+                <a:spcPts val="500"/>
+              </a:spcBef>
+              <a:spcAft>
+                <a:spcPts val="0"/>
+              </a:spcAft>
+              <a:buClrTx/>
+              <a:buSzTx/>
+              <a:buFontTx/>
+              <a:buNone/>
+              <a:tabLst/>
+              <a:defRPr/>
+            </a:pPr>
+            <a:r>
+              <a:rPr kumimoji="0" lang="de-DE" sz="1000" b="0" i="1" u="none" strike="noStrike" kern="0" cap="none" spc="0" normalizeH="0" baseline="0" noProof="0" dirty="0">
+                <a:ln>
+                  <a:noFill/>
+                </a:ln>
+                <a:solidFill>
+                  <a:prstClr val="black">
+                    <a:lumMod val="50000"/>
+                    <a:lumOff val="50000"/>
+                  </a:prstClr>
+                </a:solidFill>
+                <a:effectLst/>
+                <a:uLnTx/>
+                <a:uFillTx/>
+                <a:latin typeface="Bosch Office Sans" pitchFamily="34" charset="0"/>
+                <a:ea typeface="+mn-ea"/>
+                <a:cs typeface="+mn-cs"/>
+              </a:rPr>
+              <a:t>motorradonline.de</a:t>
+            </a:r>
           </a:p>
         </p:txBody>
       </p:sp>
@@ -17300,268 +18094,6 @@
     <p:extLst>
       <p:ext uri="{BB962C8B-B14F-4D97-AF65-F5344CB8AC3E}">
         <p14:creationId xmlns:p14="http://schemas.microsoft.com/office/powerpoint/2010/main" val="2466290695"/>
-      </p:ext>
-    </p:extLst>
-  </p:cSld>
-  <p:clrMapOvr>
-    <a:masterClrMapping/>
-  </p:clrMapOvr>
-</p:sld>
-</file>
-
-<file path=ppt/slides/slide9.xml><?xml version="1.0" encoding="utf-8"?>
-<p:sld xmlns:a="http://schemas.openxmlformats.org/drawingml/2006/main" xmlns:r="http://schemas.openxmlformats.org/officeDocument/2006/relationships" xmlns:p="http://schemas.openxmlformats.org/presentationml/2006/main">
-  <p:cSld>
-    <p:spTree>
-      <p:nvGrpSpPr>
-        <p:cNvPr id="1" name=""/>
-        <p:cNvGrpSpPr/>
-        <p:nvPr/>
-      </p:nvGrpSpPr>
-      <p:grpSpPr>
-        <a:xfrm>
-          <a:off x="0" y="0"/>
-          <a:ext cx="0" cy="0"/>
-          <a:chOff x="0" y="0"/>
-          <a:chExt cx="0" cy="0"/>
-        </a:xfrm>
-      </p:grpSpPr>
-      <p:sp>
-        <p:nvSpPr>
-          <p:cNvPr id="2" name="Titel 1">
-            <a:extLst>
-              <a:ext uri="{FF2B5EF4-FFF2-40B4-BE49-F238E27FC236}">
-                <a16:creationId xmlns:a16="http://schemas.microsoft.com/office/drawing/2014/main" id="{4520F071-DC7C-429D-8423-D81D3132CF75}"/>
-              </a:ext>
-            </a:extLst>
-          </p:cNvPr>
-          <p:cNvSpPr>
-            <a:spLocks noGrp="1"/>
-          </p:cNvSpPr>
-          <p:nvPr>
-            <p:ph type="title"/>
-          </p:nvPr>
-        </p:nvSpPr>
-        <p:spPr>
-          <a:xfrm>
-            <a:off x="205199" y="648000"/>
-            <a:ext cx="10558800" cy="388800"/>
-          </a:xfrm>
-        </p:spPr>
-        <p:txBody>
-          <a:bodyPr lIns="0" tIns="0" rIns="0" bIns="0"/>
-          <a:lstStyle/>
-          <a:p>
-            <a:r>
-              <a:rPr lang="de-DE" dirty="0"/>
-              <a:t>Lauferkennung</a:t>
-            </a:r>
-          </a:p>
-        </p:txBody>
-      </p:sp>
-      <p:sp>
-        <p:nvSpPr>
-          <p:cNvPr id="3" name="chapter_conv">
-            <a:extLst>
-              <a:ext uri="{FF2B5EF4-FFF2-40B4-BE49-F238E27FC236}">
-                <a16:creationId xmlns:a16="http://schemas.microsoft.com/office/drawing/2014/main" id="{276DAAC4-76CA-432B-999A-928D698F8D26}"/>
-              </a:ext>
-            </a:extLst>
-          </p:cNvPr>
-          <p:cNvSpPr>
-            <a:spLocks noGrp="1"/>
-          </p:cNvSpPr>
-          <p:nvPr>
-            <p:ph type="body" sz="quarter" idx="15"/>
-          </p:nvPr>
-        </p:nvSpPr>
-        <p:spPr>
-          <a:xfrm>
-            <a:off x="205199" y="259200"/>
-            <a:ext cx="10558800" cy="388800"/>
-          </a:xfrm>
-        </p:spPr>
-        <p:txBody>
-          <a:bodyPr vert="horz" lIns="0" tIns="0" rIns="0" bIns="0" rtlCol="0">
-            <a:noAutofit/>
-          </a:bodyPr>
-          <a:lstStyle/>
-          <a:p>
-            <a:r>
-              <a:rPr lang="de-DE"/>
-              <a:t>Masterthesis</a:t>
-            </a:r>
-          </a:p>
-        </p:txBody>
-      </p:sp>
-      <p:sp>
-        <p:nvSpPr>
-          <p:cNvPr id="5" name="Inhaltsplatzhalter 4">
-            <a:extLst>
-              <a:ext uri="{FF2B5EF4-FFF2-40B4-BE49-F238E27FC236}">
-                <a16:creationId xmlns:a16="http://schemas.microsoft.com/office/drawing/2014/main" id="{34BB2F14-FF7A-4B8F-8A2A-A5FE5E9898C8}"/>
-              </a:ext>
-            </a:extLst>
-          </p:cNvPr>
-          <p:cNvSpPr>
-            <a:spLocks noGrp="1"/>
-          </p:cNvSpPr>
-          <p:nvPr>
-            <p:ph sz="quarter" idx="1"/>
-          </p:nvPr>
-        </p:nvSpPr>
-        <p:spPr>
-          <a:xfrm>
-            <a:off x="205232" y="1296000"/>
-            <a:ext cx="10450799" cy="4168801"/>
-          </a:xfrm>
-        </p:spPr>
-        <p:txBody>
-          <a:bodyPr lIns="0" tIns="0" rIns="0" bIns="0"/>
-          <a:lstStyle/>
-          <a:p>
-            <a:r>
-              <a:rPr lang="de-DE" dirty="0">
-                <a:solidFill>
-                  <a:srgbClr val="000000"/>
-                </a:solidFill>
-              </a:rPr>
-              <a:t>Spitzenzähler</a:t>
-            </a:r>
-          </a:p>
-          <a:p>
-            <a:pPr lvl="1"/>
-            <a:r>
-              <a:rPr lang="de-DE" dirty="0">
-                <a:solidFill>
-                  <a:srgbClr val="000000"/>
-                </a:solidFill>
-              </a:rPr>
-              <a:t>Hypothese: Jede Spitze aufzählen und Mittelwert bilden</a:t>
-            </a:r>
-          </a:p>
-          <a:p>
-            <a:pPr lvl="1"/>
-            <a:r>
-              <a:rPr lang="de-DE" dirty="0">
-                <a:solidFill>
-                  <a:srgbClr val="000000"/>
-                </a:solidFill>
-              </a:rPr>
-              <a:t>Modell:</a:t>
-            </a:r>
-          </a:p>
-          <a:p>
-            <a:pPr lvl="2"/>
-            <a:r>
-              <a:rPr lang="de-DE" dirty="0">
-                <a:solidFill>
-                  <a:srgbClr val="000000"/>
-                </a:solidFill>
-              </a:rPr>
-              <a:t>Modell implementieren</a:t>
-            </a:r>
-          </a:p>
-          <a:p>
-            <a:pPr lvl="2"/>
-            <a:r>
-              <a:rPr lang="de-DE" dirty="0">
-                <a:solidFill>
-                  <a:srgbClr val="000000"/>
-                </a:solidFill>
-              </a:rPr>
-              <a:t>Sinuskurve generieren</a:t>
-            </a:r>
-          </a:p>
-          <a:p>
-            <a:pPr lvl="2"/>
-            <a:r>
-              <a:rPr lang="de-DE" dirty="0">
-                <a:solidFill>
-                  <a:srgbClr val="000000"/>
-                </a:solidFill>
-              </a:rPr>
-              <a:t>Modell testen</a:t>
-            </a:r>
-          </a:p>
-          <a:p>
-            <a:pPr lvl="1"/>
-            <a:r>
-              <a:rPr lang="de-DE" dirty="0">
-                <a:solidFill>
-                  <a:srgbClr val="000000"/>
-                </a:solidFill>
-              </a:rPr>
-              <a:t>Ergebnis:</a:t>
-            </a:r>
-          </a:p>
-          <a:p>
-            <a:pPr lvl="2"/>
-            <a:r>
-              <a:rPr lang="de-DE" dirty="0">
-                <a:solidFill>
-                  <a:srgbClr val="000000"/>
-                </a:solidFill>
-              </a:rPr>
-              <a:t>Rauschen und Störungen nicht erkennbar </a:t>
-            </a:r>
-            <a:r>
-              <a:rPr lang="de-DE" dirty="0">
-                <a:solidFill>
-                  <a:srgbClr val="000000"/>
-                </a:solidFill>
-                <a:sym typeface="Wingdings" panose="05000000000000000000" pitchFamily="2" charset="2"/>
-              </a:rPr>
-              <a:t> </a:t>
-            </a:r>
-            <a:r>
-              <a:rPr lang="de-DE" dirty="0">
-                <a:solidFill>
-                  <a:srgbClr val="000000"/>
-                </a:solidFill>
-              </a:rPr>
-              <a:t>Keine kräftige Aussage</a:t>
-            </a:r>
-          </a:p>
-        </p:txBody>
-      </p:sp>
-      <p:sp>
-        <p:nvSpPr>
-          <p:cNvPr id="4" name="Foliennummernplatzhalter 3">
-            <a:extLst>
-              <a:ext uri="{FF2B5EF4-FFF2-40B4-BE49-F238E27FC236}">
-                <a16:creationId xmlns:a16="http://schemas.microsoft.com/office/drawing/2014/main" id="{59BF6FA1-6418-4DE0-99D4-1E4BD0BEC382}"/>
-              </a:ext>
-            </a:extLst>
-          </p:cNvPr>
-          <p:cNvSpPr>
-            <a:spLocks noGrp="1"/>
-          </p:cNvSpPr>
-          <p:nvPr>
-            <p:ph type="sldNum" sz="quarter" idx="12"/>
-          </p:nvPr>
-        </p:nvSpPr>
-        <p:spPr/>
-        <p:txBody>
-          <a:bodyPr/>
-          <a:lstStyle/>
-          <a:p>
-            <a:fld id="{4898AEC0-503E-4FA4-859C-D0F72D6E3F79}" type="slidenum">
-              <a:rPr lang="en-US" noProof="1" smtClean="0"/>
-              <a:pPr/>
-              <a:t>9</a:t>
-            </a:fld>
-            <a:endParaRPr lang="en-US" noProof="1"/>
-          </a:p>
-        </p:txBody>
-      </p:sp>
-    </p:spTree>
-    <p:custDataLst>
-      <p:tags r:id="rId1"/>
-    </p:custDataLst>
-    <p:extLst>
-      <p:ext uri="{BB962C8B-B14F-4D97-AF65-F5344CB8AC3E}">
-        <p14:creationId xmlns:p14="http://schemas.microsoft.com/office/powerpoint/2010/main" val="3879799702"/>
       </p:ext>
     </p:extLst>
   </p:cSld>
@@ -17628,12 +18160,6 @@
 </file>
 
 <file path=ppt/tags/tag16.xml><?xml version="1.0" encoding="utf-8"?>
-<p:tagLst xmlns:a="http://schemas.openxmlformats.org/drawingml/2006/main" xmlns:r="http://schemas.openxmlformats.org/officeDocument/2006/relationships" xmlns:p="http://schemas.openxmlformats.org/presentationml/2006/main">
-  <p:tag name="SAXCONVERTED" val="2"/>
-</p:tagLst>
-</file>
-
-<file path=ppt/tags/tag17.xml><?xml version="1.0" encoding="utf-8"?>
 <p:tagLst xmlns:a="http://schemas.openxmlformats.org/drawingml/2006/main" xmlns:r="http://schemas.openxmlformats.org/officeDocument/2006/relationships" xmlns:p="http://schemas.openxmlformats.org/presentationml/2006/main">
   <p:tag name="SAXCONVERTED" val="2"/>
 </p:tagLst>

--- a/Zwischenvortrag_converted.pptx
+++ b/Zwischenvortrag_converted.pptx
@@ -245,7 +245,7 @@
           <a:p>
             <a:fld id="{6007911F-CEAF-4F0B-98BD-EFB38C6572AA}" type="datetimeFigureOut">
               <a:rPr lang="de-DE" smtClean="0"/>
-              <a:t>14.10.2022</a:t>
+              <a:t>17.10.2022</a:t>
             </a:fld>
             <a:endParaRPr lang="de-DE"/>
           </a:p>
@@ -8988,8 +8988,8 @@
           </a:p>
         </p:txBody>
       </p:sp>
-      <mc:AlternateContent xmlns:mc="http://schemas.openxmlformats.org/markup-compatibility/2006">
-        <mc:Choice xmlns:a14="http://schemas.microsoft.com/office/drawing/2010/main" Requires="a14">
+      <mc:AlternateContent xmlns:mc="http://schemas.openxmlformats.org/markup-compatibility/2006" xmlns:a14="http://schemas.microsoft.com/office/drawing/2010/main">
+        <mc:Choice Requires="a14">
           <p:sp>
             <p:nvSpPr>
               <p:cNvPr id="5" name="Inhaltsplatzhalter 4">
@@ -9360,7 +9360,7 @@
             </p:txBody>
           </p:sp>
         </mc:Choice>
-        <mc:Fallback>
+        <mc:Fallback xmlns="">
           <p:sp>
             <p:nvSpPr>
               <p:cNvPr id="5" name="Inhaltsplatzhalter 4">
@@ -18865,27 +18865,6 @@
 </file>
 
 <file path=customXml/item1.xml><?xml version="1.0" encoding="utf-8"?>
-<sax_Colors>
-  <Line size="7">
-    <Color val="9e2896" tooltip="Bosch Purple 40"/>
-    <Color val="551151" tooltip="Bosch Purple 20"/>
-  </Line>
-  <Line size="7">
-    <Color val="007bc0" tooltip="Bosch Blue 50"/>
-    <Color val="004975" tooltip="Bosch Blue 30"/>
-  </Line>
-  <Line size="7">
-    <Color val="18837e" tooltip="Bosch Turquoise 50"/>
-    <Color val="0a4f4b" tooltip="Bosch Turquoise 30"/>
-  </Line>
-  <Line size="7">
-    <Color val="00884a" tooltip="Bosch Green 50"/>
-    <Color val="00512a" tooltip="Bosch Green 30"/>
-  </Line>
-</sax_Colors>
-</file>
-
-<file path=customXml/item2.xml><?xml version="1.0" encoding="utf-8"?>
 <saxML>
   <saxMLTemplate>presentation_169</saxMLTemplate>
   <Variablen>
@@ -19034,14 +19013,35 @@
 </saxML>
 </file>
 
+<file path=customXml/item2.xml><?xml version="1.0" encoding="utf-8"?>
+<sax_Colors>
+  <Line size="7">
+    <Color val="9e2896" tooltip="Bosch Purple 40"/>
+    <Color val="551151" tooltip="Bosch Purple 20"/>
+  </Line>
+  <Line size="7">
+    <Color val="007bc0" tooltip="Bosch Blue 50"/>
+    <Color val="004975" tooltip="Bosch Blue 30"/>
+  </Line>
+  <Line size="7">
+    <Color val="18837e" tooltip="Bosch Turquoise 50"/>
+    <Color val="0a4f4b" tooltip="Bosch Turquoise 30"/>
+  </Line>
+  <Line size="7">
+    <Color val="00884a" tooltip="Bosch Green 50"/>
+    <Color val="00512a" tooltip="Bosch Green 30"/>
+  </Line>
+</sax_Colors>
+</file>
+
 <file path=customXml/itemProps1.xml><?xml version="1.0" encoding="utf-8"?>
-<ds:datastoreItem xmlns:ds="http://schemas.openxmlformats.org/officeDocument/2006/customXml" ds:itemID="{D0252559-44F8-474C-B66D-E357B88E32C2}">
+<ds:datastoreItem xmlns:ds="http://schemas.openxmlformats.org/officeDocument/2006/customXml" ds:itemID="{5733B6AC-5E6D-44B8-A77D-5101ADA64234}">
   <ds:schemaRefs/>
 </ds:datastoreItem>
 </file>
 
 <file path=customXml/itemProps2.xml><?xml version="1.0" encoding="utf-8"?>
-<ds:datastoreItem xmlns:ds="http://schemas.openxmlformats.org/officeDocument/2006/customXml" ds:itemID="{5733B6AC-5E6D-44B8-A77D-5101ADA64234}">
+<ds:datastoreItem xmlns:ds="http://schemas.openxmlformats.org/officeDocument/2006/customXml" ds:itemID="{D0252559-44F8-474C-B66D-E357B88E32C2}">
   <ds:schemaRefs/>
 </ds:datastoreItem>
 </file>